--- a/교육/3주차_TCP_IP_AJAX_Git.pptx
+++ b/교육/3주차_TCP_IP_AJAX_Git.pptx
@@ -5,7 +5,7 @@
     <p:sldMasterId id="2147483660" r:id="rId1"/>
   </p:sldMasterIdLst>
   <p:notesMasterIdLst>
-    <p:notesMasterId r:id="rId19"/>
+    <p:notesMasterId r:id="rId20"/>
   </p:notesMasterIdLst>
   <p:sldIdLst>
     <p:sldId id="257" r:id="rId2"/>
@@ -15,16 +15,17 @@
     <p:sldId id="284" r:id="rId6"/>
     <p:sldId id="285" r:id="rId7"/>
     <p:sldId id="286" r:id="rId8"/>
-    <p:sldId id="258" r:id="rId9"/>
-    <p:sldId id="281" r:id="rId10"/>
-    <p:sldId id="268" r:id="rId11"/>
-    <p:sldId id="278" r:id="rId12"/>
-    <p:sldId id="269" r:id="rId13"/>
-    <p:sldId id="274" r:id="rId14"/>
-    <p:sldId id="270" r:id="rId15"/>
-    <p:sldId id="273" r:id="rId16"/>
-    <p:sldId id="277" r:id="rId17"/>
-    <p:sldId id="279" r:id="rId18"/>
+    <p:sldId id="287" r:id="rId9"/>
+    <p:sldId id="258" r:id="rId10"/>
+    <p:sldId id="281" r:id="rId11"/>
+    <p:sldId id="268" r:id="rId12"/>
+    <p:sldId id="278" r:id="rId13"/>
+    <p:sldId id="269" r:id="rId14"/>
+    <p:sldId id="274" r:id="rId15"/>
+    <p:sldId id="270" r:id="rId16"/>
+    <p:sldId id="273" r:id="rId17"/>
+    <p:sldId id="277" r:id="rId18"/>
+    <p:sldId id="279" r:id="rId19"/>
   </p:sldIdLst>
   <p:sldSz cx="12192000" cy="6858000"/>
   <p:notesSz cx="6858000" cy="9144000"/>
@@ -213,7 +214,7 @@
           <a:p>
             <a:fld id="{555912F1-E604-4649-8B6B-3B6B742F24E2}" type="datetimeFigureOut">
               <a:rPr lang="ko-KR" altLang="en-US" smtClean="0"/>
-              <a:t>2020-10-23</a:t>
+              <a:t>2020-10-26</a:t>
             </a:fld>
             <a:endParaRPr lang="ko-KR" altLang="en-US"/>
           </a:p>
@@ -545,7 +546,7 @@
           <a:p>
             <a:fld id="{CC3DE0F4-936B-496D-9BAC-34F4E2CAB213}" type="slidenum">
               <a:rPr lang="ko-KR" altLang="en-US" smtClean="0"/>
-              <a:t>2</a:t>
+              <a:t>1</a:t>
             </a:fld>
             <a:endParaRPr lang="ko-KR" altLang="en-US"/>
           </a:p>
@@ -554,7 +555,7 @@
     </p:spTree>
     <p:extLst>
       <p:ext uri="{BB962C8B-B14F-4D97-AF65-F5344CB8AC3E}">
-        <p14:creationId xmlns:p14="http://schemas.microsoft.com/office/powerpoint/2010/main" val="98086065"/>
+        <p14:creationId xmlns:p14="http://schemas.microsoft.com/office/powerpoint/2010/main" val="2782539176"/>
       </p:ext>
     </p:extLst>
   </p:cSld>
@@ -629,7 +630,7 @@
           <a:p>
             <a:fld id="{CC3DE0F4-936B-496D-9BAC-34F4E2CAB213}" type="slidenum">
               <a:rPr lang="ko-KR" altLang="en-US" smtClean="0"/>
-              <a:t>4</a:t>
+              <a:t>2</a:t>
             </a:fld>
             <a:endParaRPr lang="ko-KR" altLang="en-US"/>
           </a:p>
@@ -638,7 +639,7 @@
     </p:spTree>
     <p:extLst>
       <p:ext uri="{BB962C8B-B14F-4D97-AF65-F5344CB8AC3E}">
-        <p14:creationId xmlns:p14="http://schemas.microsoft.com/office/powerpoint/2010/main" val="2813205516"/>
+        <p14:creationId xmlns:p14="http://schemas.microsoft.com/office/powerpoint/2010/main" val="98086065"/>
       </p:ext>
     </p:extLst>
   </p:cSld>
@@ -713,7 +714,7 @@
           <a:p>
             <a:fld id="{CC3DE0F4-936B-496D-9BAC-34F4E2CAB213}" type="slidenum">
               <a:rPr lang="ko-KR" altLang="en-US" smtClean="0"/>
-              <a:t>5</a:t>
+              <a:t>4</a:t>
             </a:fld>
             <a:endParaRPr lang="ko-KR" altLang="en-US"/>
           </a:p>
@@ -722,7 +723,7 @@
     </p:spTree>
     <p:extLst>
       <p:ext uri="{BB962C8B-B14F-4D97-AF65-F5344CB8AC3E}">
-        <p14:creationId xmlns:p14="http://schemas.microsoft.com/office/powerpoint/2010/main" val="4091922776"/>
+        <p14:creationId xmlns:p14="http://schemas.microsoft.com/office/powerpoint/2010/main" val="2813205516"/>
       </p:ext>
     </p:extLst>
   </p:cSld>
@@ -797,7 +798,7 @@
           <a:p>
             <a:fld id="{CC3DE0F4-936B-496D-9BAC-34F4E2CAB213}" type="slidenum">
               <a:rPr lang="ko-KR" altLang="en-US" smtClean="0"/>
-              <a:t>6</a:t>
+              <a:t>5</a:t>
             </a:fld>
             <a:endParaRPr lang="ko-KR" altLang="en-US"/>
           </a:p>
@@ -806,7 +807,7 @@
     </p:spTree>
     <p:extLst>
       <p:ext uri="{BB962C8B-B14F-4D97-AF65-F5344CB8AC3E}">
-        <p14:creationId xmlns:p14="http://schemas.microsoft.com/office/powerpoint/2010/main" val="396649481"/>
+        <p14:creationId xmlns:p14="http://schemas.microsoft.com/office/powerpoint/2010/main" val="4091922776"/>
       </p:ext>
     </p:extLst>
   </p:cSld>
@@ -881,7 +882,7 @@
           <a:p>
             <a:fld id="{CC3DE0F4-936B-496D-9BAC-34F4E2CAB213}" type="slidenum">
               <a:rPr lang="ko-KR" altLang="en-US" smtClean="0"/>
-              <a:t>7</a:t>
+              <a:t>6</a:t>
             </a:fld>
             <a:endParaRPr lang="ko-KR" altLang="en-US"/>
           </a:p>
@@ -890,7 +891,7 @@
     </p:spTree>
     <p:extLst>
       <p:ext uri="{BB962C8B-B14F-4D97-AF65-F5344CB8AC3E}">
-        <p14:creationId xmlns:p14="http://schemas.microsoft.com/office/powerpoint/2010/main" val="4251144357"/>
+        <p14:creationId xmlns:p14="http://schemas.microsoft.com/office/powerpoint/2010/main" val="396649481"/>
       </p:ext>
     </p:extLst>
   </p:cSld>
@@ -965,7 +966,175 @@
           <a:p>
             <a:fld id="{CC3DE0F4-936B-496D-9BAC-34F4E2CAB213}" type="slidenum">
               <a:rPr lang="ko-KR" altLang="en-US" smtClean="0"/>
-              <a:t>10</a:t>
+              <a:t>7</a:t>
+            </a:fld>
+            <a:endParaRPr lang="ko-KR" altLang="en-US"/>
+          </a:p>
+        </p:txBody>
+      </p:sp>
+    </p:spTree>
+    <p:extLst>
+      <p:ext uri="{BB962C8B-B14F-4D97-AF65-F5344CB8AC3E}">
+        <p14:creationId xmlns:p14="http://schemas.microsoft.com/office/powerpoint/2010/main" val="4251144357"/>
+      </p:ext>
+    </p:extLst>
+  </p:cSld>
+  <p:clrMapOvr>
+    <a:masterClrMapping/>
+  </p:clrMapOvr>
+</p:notes>
+</file>
+
+<file path=ppt/notesSlides/notesSlide7.xml><?xml version="1.0" encoding="utf-8"?>
+<p:notes xmlns:a="http://schemas.openxmlformats.org/drawingml/2006/main" xmlns:r="http://schemas.openxmlformats.org/officeDocument/2006/relationships" xmlns:p="http://schemas.openxmlformats.org/presentationml/2006/main">
+  <p:cSld>
+    <p:spTree>
+      <p:nvGrpSpPr>
+        <p:cNvPr id="1" name=""/>
+        <p:cNvGrpSpPr/>
+        <p:nvPr/>
+      </p:nvGrpSpPr>
+      <p:grpSpPr>
+        <a:xfrm>
+          <a:off x="0" y="0"/>
+          <a:ext cx="0" cy="0"/>
+          <a:chOff x="0" y="0"/>
+          <a:chExt cx="0" cy="0"/>
+        </a:xfrm>
+      </p:grpSpPr>
+      <p:sp>
+        <p:nvSpPr>
+          <p:cNvPr id="2" name="슬라이드 이미지 개체 틀 1"/>
+          <p:cNvSpPr>
+            <a:spLocks noGrp="1" noRot="1" noChangeAspect="1"/>
+          </p:cNvSpPr>
+          <p:nvPr>
+            <p:ph type="sldImg"/>
+          </p:nvPr>
+        </p:nvSpPr>
+        <p:spPr/>
+      </p:sp>
+      <p:sp>
+        <p:nvSpPr>
+          <p:cNvPr id="3" name="슬라이드 노트 개체 틀 2"/>
+          <p:cNvSpPr>
+            <a:spLocks noGrp="1"/>
+          </p:cNvSpPr>
+          <p:nvPr>
+            <p:ph type="body" idx="1"/>
+          </p:nvPr>
+        </p:nvSpPr>
+        <p:spPr/>
+        <p:txBody>
+          <a:bodyPr/>
+          <a:lstStyle/>
+          <a:p>
+            <a:endParaRPr lang="ko-KR" altLang="en-US" dirty="0"/>
+          </a:p>
+        </p:txBody>
+      </p:sp>
+      <p:sp>
+        <p:nvSpPr>
+          <p:cNvPr id="4" name="슬라이드 번호 개체 틀 3"/>
+          <p:cNvSpPr>
+            <a:spLocks noGrp="1"/>
+          </p:cNvSpPr>
+          <p:nvPr>
+            <p:ph type="sldNum" sz="quarter" idx="5"/>
+          </p:nvPr>
+        </p:nvSpPr>
+        <p:spPr/>
+        <p:txBody>
+          <a:bodyPr/>
+          <a:lstStyle/>
+          <a:p>
+            <a:fld id="{CC3DE0F4-936B-496D-9BAC-34F4E2CAB213}" type="slidenum">
+              <a:rPr lang="ko-KR" altLang="en-US" smtClean="0"/>
+              <a:t>8</a:t>
+            </a:fld>
+            <a:endParaRPr lang="ko-KR" altLang="en-US"/>
+          </a:p>
+        </p:txBody>
+      </p:sp>
+    </p:spTree>
+    <p:extLst>
+      <p:ext uri="{BB962C8B-B14F-4D97-AF65-F5344CB8AC3E}">
+        <p14:creationId xmlns:p14="http://schemas.microsoft.com/office/powerpoint/2010/main" val="713725115"/>
+      </p:ext>
+    </p:extLst>
+  </p:cSld>
+  <p:clrMapOvr>
+    <a:masterClrMapping/>
+  </p:clrMapOvr>
+</p:notes>
+</file>
+
+<file path=ppt/notesSlides/notesSlide8.xml><?xml version="1.0" encoding="utf-8"?>
+<p:notes xmlns:a="http://schemas.openxmlformats.org/drawingml/2006/main" xmlns:r="http://schemas.openxmlformats.org/officeDocument/2006/relationships" xmlns:p="http://schemas.openxmlformats.org/presentationml/2006/main">
+  <p:cSld>
+    <p:spTree>
+      <p:nvGrpSpPr>
+        <p:cNvPr id="1" name=""/>
+        <p:cNvGrpSpPr/>
+        <p:nvPr/>
+      </p:nvGrpSpPr>
+      <p:grpSpPr>
+        <a:xfrm>
+          <a:off x="0" y="0"/>
+          <a:ext cx="0" cy="0"/>
+          <a:chOff x="0" y="0"/>
+          <a:chExt cx="0" cy="0"/>
+        </a:xfrm>
+      </p:grpSpPr>
+      <p:sp>
+        <p:nvSpPr>
+          <p:cNvPr id="2" name="슬라이드 이미지 개체 틀 1"/>
+          <p:cNvSpPr>
+            <a:spLocks noGrp="1" noRot="1" noChangeAspect="1"/>
+          </p:cNvSpPr>
+          <p:nvPr>
+            <p:ph type="sldImg"/>
+          </p:nvPr>
+        </p:nvSpPr>
+        <p:spPr/>
+      </p:sp>
+      <p:sp>
+        <p:nvSpPr>
+          <p:cNvPr id="3" name="슬라이드 노트 개체 틀 2"/>
+          <p:cNvSpPr>
+            <a:spLocks noGrp="1"/>
+          </p:cNvSpPr>
+          <p:nvPr>
+            <p:ph type="body" idx="1"/>
+          </p:nvPr>
+        </p:nvSpPr>
+        <p:spPr/>
+        <p:txBody>
+          <a:bodyPr/>
+          <a:lstStyle/>
+          <a:p>
+            <a:endParaRPr lang="ko-KR" altLang="en-US" dirty="0"/>
+          </a:p>
+        </p:txBody>
+      </p:sp>
+      <p:sp>
+        <p:nvSpPr>
+          <p:cNvPr id="4" name="슬라이드 번호 개체 틀 3"/>
+          <p:cNvSpPr>
+            <a:spLocks noGrp="1"/>
+          </p:cNvSpPr>
+          <p:nvPr>
+            <p:ph type="sldNum" sz="quarter" idx="5"/>
+          </p:nvPr>
+        </p:nvSpPr>
+        <p:spPr/>
+        <p:txBody>
+          <a:bodyPr/>
+          <a:lstStyle/>
+          <a:p>
+            <a:fld id="{CC3DE0F4-936B-496D-9BAC-34F4E2CAB213}" type="slidenum">
+              <a:rPr lang="ko-KR" altLang="en-US" smtClean="0"/>
+              <a:t>11</a:t>
             </a:fld>
             <a:endParaRPr lang="ko-KR" altLang="en-US"/>
           </a:p>
@@ -975,6 +1144,90 @@
     <p:extLst>
       <p:ext uri="{BB962C8B-B14F-4D97-AF65-F5344CB8AC3E}">
         <p14:creationId xmlns:p14="http://schemas.microsoft.com/office/powerpoint/2010/main" val="69491830"/>
+      </p:ext>
+    </p:extLst>
+  </p:cSld>
+  <p:clrMapOvr>
+    <a:masterClrMapping/>
+  </p:clrMapOvr>
+</p:notes>
+</file>
+
+<file path=ppt/notesSlides/notesSlide9.xml><?xml version="1.0" encoding="utf-8"?>
+<p:notes xmlns:a="http://schemas.openxmlformats.org/drawingml/2006/main" xmlns:r="http://schemas.openxmlformats.org/officeDocument/2006/relationships" xmlns:p="http://schemas.openxmlformats.org/presentationml/2006/main">
+  <p:cSld>
+    <p:spTree>
+      <p:nvGrpSpPr>
+        <p:cNvPr id="1" name=""/>
+        <p:cNvGrpSpPr/>
+        <p:nvPr/>
+      </p:nvGrpSpPr>
+      <p:grpSpPr>
+        <a:xfrm>
+          <a:off x="0" y="0"/>
+          <a:ext cx="0" cy="0"/>
+          <a:chOff x="0" y="0"/>
+          <a:chExt cx="0" cy="0"/>
+        </a:xfrm>
+      </p:grpSpPr>
+      <p:sp>
+        <p:nvSpPr>
+          <p:cNvPr id="2" name="슬라이드 이미지 개체 틀 1"/>
+          <p:cNvSpPr>
+            <a:spLocks noGrp="1" noRot="1" noChangeAspect="1"/>
+          </p:cNvSpPr>
+          <p:nvPr>
+            <p:ph type="sldImg"/>
+          </p:nvPr>
+        </p:nvSpPr>
+        <p:spPr/>
+      </p:sp>
+      <p:sp>
+        <p:nvSpPr>
+          <p:cNvPr id="3" name="슬라이드 노트 개체 틀 2"/>
+          <p:cNvSpPr>
+            <a:spLocks noGrp="1"/>
+          </p:cNvSpPr>
+          <p:nvPr>
+            <p:ph type="body" idx="1"/>
+          </p:nvPr>
+        </p:nvSpPr>
+        <p:spPr/>
+        <p:txBody>
+          <a:bodyPr/>
+          <a:lstStyle/>
+          <a:p>
+            <a:endParaRPr lang="ko-KR" altLang="en-US" dirty="0"/>
+          </a:p>
+        </p:txBody>
+      </p:sp>
+      <p:sp>
+        <p:nvSpPr>
+          <p:cNvPr id="4" name="슬라이드 번호 개체 틀 3"/>
+          <p:cNvSpPr>
+            <a:spLocks noGrp="1"/>
+          </p:cNvSpPr>
+          <p:nvPr>
+            <p:ph type="sldNum" sz="quarter" idx="5"/>
+          </p:nvPr>
+        </p:nvSpPr>
+        <p:spPr/>
+        <p:txBody>
+          <a:bodyPr/>
+          <a:lstStyle/>
+          <a:p>
+            <a:fld id="{CC3DE0F4-936B-496D-9BAC-34F4E2CAB213}" type="slidenum">
+              <a:rPr lang="ko-KR" altLang="en-US" smtClean="0"/>
+              <a:t>14</a:t>
+            </a:fld>
+            <a:endParaRPr lang="ko-KR" altLang="en-US"/>
+          </a:p>
+        </p:txBody>
+      </p:sp>
+    </p:spTree>
+    <p:extLst>
+      <p:ext uri="{BB962C8B-B14F-4D97-AF65-F5344CB8AC3E}">
+        <p14:creationId xmlns:p14="http://schemas.microsoft.com/office/powerpoint/2010/main" val="616966276"/>
       </p:ext>
     </p:extLst>
   </p:cSld>
@@ -1138,7 +1391,7 @@
                 </a:solidFill>
               </a:rPr>
               <a:pPr/>
-              <a:t>2020-10-23</a:t>
+              <a:t>2020-10-26</a:t>
             </a:fld>
             <a:endParaRPr lang="ko-KR" altLang="en-US">
               <a:solidFill>
@@ -1368,7 +1621,7 @@
                 </a:solidFill>
               </a:rPr>
               <a:pPr/>
-              <a:t>2020-10-23</a:t>
+              <a:t>2020-10-26</a:t>
             </a:fld>
             <a:endParaRPr lang="ko-KR" altLang="en-US">
               <a:solidFill>
@@ -1608,7 +1861,7 @@
                 </a:solidFill>
               </a:rPr>
               <a:pPr/>
-              <a:t>2020-10-23</a:t>
+              <a:t>2020-10-26</a:t>
             </a:fld>
             <a:endParaRPr lang="ko-KR" altLang="en-US">
               <a:solidFill>
@@ -1838,7 +2091,7 @@
                 </a:solidFill>
               </a:rPr>
               <a:pPr/>
-              <a:t>2020-10-23</a:t>
+              <a:t>2020-10-26</a:t>
             </a:fld>
             <a:endParaRPr lang="ko-KR" altLang="en-US">
               <a:solidFill>
@@ -2145,7 +2398,7 @@
                 </a:solidFill>
               </a:rPr>
               <a:pPr/>
-              <a:t>2020-10-23</a:t>
+              <a:t>2020-10-26</a:t>
             </a:fld>
             <a:endParaRPr lang="ko-KR" altLang="en-US">
               <a:solidFill>
@@ -2442,7 +2695,7 @@
                 </a:solidFill>
               </a:rPr>
               <a:pPr/>
-              <a:t>2020-10-23</a:t>
+              <a:t>2020-10-26</a:t>
             </a:fld>
             <a:endParaRPr lang="ko-KR" altLang="en-US">
               <a:solidFill>
@@ -2886,7 +3139,7 @@
                 </a:solidFill>
               </a:rPr>
               <a:pPr/>
-              <a:t>2020-10-23</a:t>
+              <a:t>2020-10-26</a:t>
             </a:fld>
             <a:endParaRPr lang="ko-KR" altLang="en-US">
               <a:solidFill>
@@ -3059,7 +3312,7 @@
                 </a:solidFill>
               </a:rPr>
               <a:pPr/>
-              <a:t>2020-10-23</a:t>
+              <a:t>2020-10-26</a:t>
             </a:fld>
             <a:endParaRPr lang="ko-KR" altLang="en-US">
               <a:solidFill>
@@ -3204,7 +3457,7 @@
                 </a:solidFill>
               </a:rPr>
               <a:pPr/>
-              <a:t>2020-10-23</a:t>
+              <a:t>2020-10-26</a:t>
             </a:fld>
             <a:endParaRPr lang="ko-KR" altLang="en-US">
               <a:solidFill>
@@ -3547,7 +3800,7 @@
                 </a:solidFill>
               </a:rPr>
               <a:pPr/>
-              <a:t>2020-10-23</a:t>
+              <a:t>2020-10-26</a:t>
             </a:fld>
             <a:endParaRPr lang="ko-KR" altLang="en-US">
               <a:solidFill>
@@ -3867,7 +4120,7 @@
                 </a:solidFill>
               </a:rPr>
               <a:pPr/>
-              <a:t>2020-10-23</a:t>
+              <a:t>2020-10-26</a:t>
             </a:fld>
             <a:endParaRPr lang="ko-KR" altLang="en-US">
               <a:solidFill>
@@ -4140,7 +4393,7 @@
                 </a:solidFill>
               </a:rPr>
               <a:pPr/>
-              <a:t>2020-10-23</a:t>
+              <a:t>2020-10-26</a:t>
             </a:fld>
             <a:endParaRPr lang="ko-KR" altLang="en-US">
               <a:solidFill>
@@ -4874,7 +5127,7 @@
                   <a:prstClr val="white"/>
                 </a:solidFill>
               </a:rPr>
-              <a:t>TCP/IP 4 Layer &amp; AJAX</a:t>
+              <a:t>TCP/IP 4 Layer</a:t>
             </a:r>
           </a:p>
           <a:p>
@@ -4890,7 +5143,7 @@
                   <a:prstClr val="white"/>
                 </a:solidFill>
               </a:rPr>
-              <a:t>3-1</a:t>
+              <a:t> 3</a:t>
             </a:r>
             <a:r>
               <a:rPr lang="ko-KR" altLang="en-US" sz="1200" kern="0" dirty="0">
@@ -4898,7 +5151,7 @@
                   <a:prstClr val="white"/>
                 </a:solidFill>
               </a:rPr>
-              <a:t>주차 신입교육 </a:t>
+              <a:t>주차 교육과정 </a:t>
             </a:r>
             <a:r>
               <a:rPr lang="en-US" altLang="ko-KR" sz="1200" kern="0" dirty="0">
@@ -4914,7 +5167,7 @@
                   <a:prstClr val="white"/>
                 </a:solidFill>
               </a:rPr>
-              <a:t>계층과 </a:t>
+              <a:t>계층</a:t>
             </a:r>
             <a:r>
               <a:rPr lang="en-US" altLang="ko-KR" sz="1200" kern="0" dirty="0">
@@ -4922,7 +5175,7 @@
                   <a:prstClr val="white"/>
                 </a:solidFill>
               </a:rPr>
-              <a:t>http </a:t>
+              <a:t>,</a:t>
             </a:r>
             <a:r>
               <a:rPr lang="ko-KR" altLang="en-US" sz="1200" kern="0" dirty="0">
@@ -4930,7 +5183,7 @@
                   <a:prstClr val="white"/>
                 </a:solidFill>
               </a:rPr>
-              <a:t>프로토콜 차이</a:t>
+              <a:t> </a:t>
             </a:r>
             <a:r>
               <a:rPr lang="en-US" altLang="ko-KR" sz="1200" kern="0" dirty="0">
@@ -4938,7 +5191,7 @@
                   <a:prstClr val="white"/>
                 </a:solidFill>
               </a:rPr>
-              <a:t>, AJAX</a:t>
+              <a:t>Ajax,</a:t>
             </a:r>
             <a:r>
               <a:rPr lang="ko-KR" altLang="en-US" sz="1200" kern="0" dirty="0">
@@ -4946,13 +5199,16 @@
                   <a:prstClr val="white"/>
                 </a:solidFill>
               </a:rPr>
-              <a:t>란</a:t>
-            </a:r>
-            <a:endParaRPr lang="en-US" altLang="ko-KR" sz="1200" kern="0" dirty="0">
-              <a:solidFill>
-                <a:prstClr val="white"/>
-              </a:solidFill>
-            </a:endParaRPr>
+              <a:t> 형상관리 툴 </a:t>
+            </a:r>
+            <a:r>
+              <a:rPr lang="en-US" altLang="ko-KR" sz="1200" kern="0" dirty="0">
+                <a:solidFill>
+                  <a:prstClr val="white"/>
+                </a:solidFill>
+              </a:rPr>
+              <a:t>Git</a:t>
+            </a:r>
           </a:p>
         </p:txBody>
       </p:sp>
@@ -5173,108 +5429,6 @@
               </a:rPr>
               <a:t>모델에 따른 계층의 연관성</a:t>
             </a:r>
-          </a:p>
-        </p:txBody>
-      </p:sp>
-      <p:sp>
-        <p:nvSpPr>
-          <p:cNvPr id="18" name="직사각형 17">
-            <a:extLst>
-              <a:ext uri="{FF2B5EF4-FFF2-40B4-BE49-F238E27FC236}">
-                <a16:creationId xmlns:a16="http://schemas.microsoft.com/office/drawing/2014/main" id="{359DE38C-490A-4F52-BD26-F8A2738CC26E}"/>
-              </a:ext>
-            </a:extLst>
-          </p:cNvPr>
-          <p:cNvSpPr/>
-          <p:nvPr/>
-        </p:nvSpPr>
-        <p:spPr>
-          <a:xfrm>
-            <a:off x="6272010" y="5782184"/>
-            <a:ext cx="1129281" cy="616579"/>
-          </a:xfrm>
-          <a:prstGeom prst="rect">
-            <a:avLst/>
-          </a:prstGeom>
-        </p:spPr>
-        <p:txBody>
-          <a:bodyPr wrap="square">
-            <a:spAutoFit/>
-          </a:bodyPr>
-          <a:lstStyle/>
-          <a:p>
-            <a:pPr>
-              <a:lnSpc>
-                <a:spcPct val="150000"/>
-              </a:lnSpc>
-            </a:pPr>
-            <a:r>
-              <a:rPr lang="en-US" altLang="ko-KR" sz="1400" b="1" dirty="0">
-                <a:solidFill>
-                  <a:prstClr val="black">
-                    <a:lumMod val="65000"/>
-                    <a:lumOff val="35000"/>
-                  </a:prstClr>
-                </a:solidFill>
-              </a:rPr>
-              <a:t>AJAX</a:t>
-            </a:r>
-            <a:r>
-              <a:rPr lang="ko-KR" altLang="en-US" sz="1400" b="1" dirty="0">
-                <a:solidFill>
-                  <a:prstClr val="black">
-                    <a:lumMod val="65000"/>
-                    <a:lumOff val="35000"/>
-                  </a:prstClr>
-                </a:solidFill>
-              </a:rPr>
-              <a:t>란</a:t>
-            </a:r>
-            <a:endParaRPr lang="en-US" altLang="ko-KR" sz="1400" b="1" dirty="0">
-              <a:solidFill>
-                <a:prstClr val="black">
-                  <a:lumMod val="65000"/>
-                  <a:lumOff val="35000"/>
-                </a:prstClr>
-              </a:solidFill>
-            </a:endParaRPr>
-          </a:p>
-          <a:p>
-            <a:pPr>
-              <a:lnSpc>
-                <a:spcPct val="150000"/>
-              </a:lnSpc>
-            </a:pPr>
-            <a:r>
-              <a:rPr lang="ko-KR" altLang="en-US" sz="1000" dirty="0">
-                <a:solidFill>
-                  <a:prstClr val="black">
-                    <a:lumMod val="65000"/>
-                    <a:lumOff val="35000"/>
-                  </a:prstClr>
-                </a:solidFill>
-              </a:rPr>
-              <a:t>비동기</a:t>
-            </a:r>
-            <a:r>
-              <a:rPr lang="en-US" altLang="ko-KR" sz="1000" dirty="0">
-                <a:solidFill>
-                  <a:prstClr val="black">
-                    <a:lumMod val="65000"/>
-                    <a:lumOff val="35000"/>
-                  </a:prstClr>
-                </a:solidFill>
-              </a:rPr>
-              <a:t>, jQuery</a:t>
-            </a:r>
-            <a:endParaRPr lang="ko-KR" altLang="en-US" sz="1000" dirty="0">
-              <a:solidFill>
-                <a:prstClr val="black">
-                  <a:lumMod val="65000"/>
-                  <a:lumOff val="35000"/>
-                </a:prstClr>
-              </a:solidFill>
-            </a:endParaRPr>
           </a:p>
         </p:txBody>
       </p:sp>
@@ -5871,26 +6025,29 @@
               </a:lnSpc>
             </a:pPr>
             <a:r>
+              <a:rPr lang="ko-KR" altLang="en-US" sz="2000" b="1" dirty="0">
+                <a:solidFill>
+                  <a:srgbClr val="00B0F0"/>
+                </a:solidFill>
+              </a:rPr>
+              <a:t>동기</a:t>
+            </a:r>
+            <a:r>
+              <a:rPr lang="en-US" altLang="ko-KR" sz="1600" b="1" dirty="0">
+                <a:solidFill>
+                  <a:srgbClr val="00B0F0"/>
+                </a:solidFill>
+              </a:rPr>
+              <a:t>(synchronous)</a:t>
+            </a:r>
+            <a:r>
               <a:rPr lang="en-US" altLang="ko-KR" sz="2500" b="1" dirty="0">
                 <a:solidFill>
                   <a:srgbClr val="00B0F0"/>
                 </a:solidFill>
               </a:rPr>
-              <a:t>Ajax </a:t>
-            </a:r>
-            <a:r>
-              <a:rPr lang="ko-KR" altLang="en-US" sz="2000" b="1" dirty="0">
-                <a:solidFill>
-                  <a:srgbClr val="00B0F0"/>
-                </a:solidFill>
-              </a:rPr>
-              <a:t>의 장점</a:t>
-            </a:r>
-            <a:endParaRPr lang="en-US" altLang="ko-KR" sz="2000" dirty="0">
-              <a:solidFill>
-                <a:srgbClr val="78808D"/>
-              </a:solidFill>
-            </a:endParaRPr>
+              <a:t> </a:t>
+            </a:r>
           </a:p>
           <a:p>
             <a:pPr>
@@ -5898,44 +6055,93 @@
                 <a:spcPct val="150000"/>
               </a:lnSpc>
             </a:pPr>
-            <a:endParaRPr lang="en-US" altLang="ko-KR" sz="1050" dirty="0">
-              <a:solidFill>
-                <a:srgbClr val="78808D"/>
-              </a:solidFill>
-            </a:endParaRPr>
-          </a:p>
-          <a:p>
-            <a:pPr marL="171450" indent="-171450">
+            <a:r>
+              <a:rPr lang="ko-KR" altLang="en-US" sz="1300" dirty="0">
+                <a:solidFill>
+                  <a:srgbClr val="78808D"/>
+                </a:solidFill>
+              </a:rPr>
+              <a:t>직렬적으로 태스크</a:t>
+            </a:r>
+            <a:r>
+              <a:rPr lang="en-US" altLang="ko-KR" sz="1300" dirty="0">
+                <a:solidFill>
+                  <a:srgbClr val="78808D"/>
+                </a:solidFill>
+              </a:rPr>
+              <a:t>(task)</a:t>
+            </a:r>
+            <a:r>
+              <a:rPr lang="ko-KR" altLang="en-US" sz="1300" dirty="0">
+                <a:solidFill>
+                  <a:srgbClr val="78808D"/>
+                </a:solidFill>
+              </a:rPr>
+              <a:t>를 수행한다</a:t>
+            </a:r>
+            <a:r>
+              <a:rPr lang="en-US" altLang="ko-KR" sz="1300" dirty="0">
+                <a:solidFill>
+                  <a:srgbClr val="78808D"/>
+                </a:solidFill>
+              </a:rPr>
+              <a:t>. </a:t>
+            </a:r>
+            <a:r>
+              <a:rPr lang="ko-KR" altLang="en-US" sz="1300" dirty="0">
+                <a:solidFill>
+                  <a:srgbClr val="78808D"/>
+                </a:solidFill>
+              </a:rPr>
+              <a:t> </a:t>
+            </a:r>
+            <a:r>
+              <a:rPr lang="ko-KR" altLang="en-US" sz="1300" b="1" dirty="0">
+                <a:solidFill>
+                  <a:srgbClr val="78808D"/>
+                </a:solidFill>
+              </a:rPr>
+              <a:t>작업이</a:t>
+            </a:r>
+            <a:r>
+              <a:rPr lang="ko-KR" altLang="en-US" sz="1300" dirty="0">
+                <a:solidFill>
+                  <a:srgbClr val="78808D"/>
+                </a:solidFill>
+              </a:rPr>
+              <a:t> </a:t>
+            </a:r>
+            <a:r>
+              <a:rPr lang="ko-KR" altLang="en-US" sz="1300" b="1" dirty="0">
+                <a:solidFill>
+                  <a:srgbClr val="78808D"/>
+                </a:solidFill>
+              </a:rPr>
+              <a:t>순차적으로 실행</a:t>
+            </a:r>
+            <a:r>
+              <a:rPr lang="ko-KR" altLang="en-US" sz="1300" dirty="0">
+                <a:solidFill>
+                  <a:srgbClr val="78808D"/>
+                </a:solidFill>
+              </a:rPr>
+              <a:t>되며 어떤 작업이 수행 중이면 다음 작업은 대기하게 된다</a:t>
+            </a:r>
+            <a:r>
+              <a:rPr lang="en-US" altLang="ko-KR" sz="1300" dirty="0">
+                <a:solidFill>
+                  <a:srgbClr val="78808D"/>
+                </a:solidFill>
+              </a:rPr>
+              <a:t>.</a:t>
+            </a:r>
+          </a:p>
+          <a:p>
+            <a:pPr>
               <a:lnSpc>
                 <a:spcPct val="150000"/>
               </a:lnSpc>
-              <a:buFont typeface="Arial" panose="020B0604020202020204" pitchFamily="34" charset="0"/>
-              <a:buChar char="•"/>
             </a:pPr>
-            <a:r>
-              <a:rPr lang="ko-KR" altLang="en-US" sz="1200" dirty="0">
-                <a:solidFill>
-                  <a:srgbClr val="78808D"/>
-                </a:solidFill>
-              </a:rPr>
-              <a:t>클라이언트와 서버 측의 데이터 전송 및 처리를 </a:t>
-            </a:r>
-            <a:r>
-              <a:rPr lang="ko-KR" altLang="en-US" sz="1200" b="1" dirty="0">
-                <a:solidFill>
-                  <a:srgbClr val="78808D"/>
-                </a:solidFill>
-              </a:rPr>
-              <a:t>비동기적으로 처리하는 것이 목적</a:t>
-            </a:r>
-            <a:r>
-              <a:rPr lang="ko-KR" altLang="en-US" sz="1200" dirty="0">
-                <a:solidFill>
-                  <a:srgbClr val="78808D"/>
-                </a:solidFill>
-              </a:rPr>
-              <a:t>이다</a:t>
-            </a:r>
             <a:endParaRPr lang="en-US" altLang="ko-KR" sz="1200" dirty="0">
               <a:solidFill>
                 <a:srgbClr val="78808D"/>
@@ -5943,12 +6149,10 @@
             </a:endParaRPr>
           </a:p>
           <a:p>
-            <a:pPr marL="171450" indent="-171450">
+            <a:pPr>
               <a:lnSpc>
                 <a:spcPct val="150000"/>
               </a:lnSpc>
-              <a:buFont typeface="Arial" panose="020B0604020202020204" pitchFamily="34" charset="0"/>
-              <a:buChar char="•"/>
             </a:pPr>
             <a:endParaRPr lang="en-US" altLang="ko-KR" sz="1200" dirty="0">
               <a:solidFill>
@@ -5957,109 +6161,22 @@
             </a:endParaRPr>
           </a:p>
           <a:p>
-            <a:pPr marL="171450" indent="-171450">
+            <a:pPr>
               <a:lnSpc>
                 <a:spcPct val="150000"/>
               </a:lnSpc>
-              <a:buFont typeface="Arial" panose="020B0604020202020204" pitchFamily="34" charset="0"/>
-              <a:buChar char="•"/>
             </a:pPr>
-            <a:r>
-              <a:rPr lang="en-US" altLang="ko-KR" sz="1200" dirty="0">
-                <a:solidFill>
-                  <a:srgbClr val="78808D"/>
-                </a:solidFill>
-              </a:rPr>
-              <a:t>Ajax</a:t>
-            </a:r>
-            <a:r>
-              <a:rPr lang="ko-KR" altLang="en-US" sz="1200" dirty="0">
-                <a:solidFill>
-                  <a:srgbClr val="78808D"/>
-                </a:solidFill>
-              </a:rPr>
-              <a:t>를 사용함으로써</a:t>
-            </a:r>
-            <a:r>
-              <a:rPr lang="en-US" altLang="ko-KR" sz="1200" dirty="0">
-                <a:solidFill>
-                  <a:srgbClr val="78808D"/>
-                </a:solidFill>
-              </a:rPr>
-              <a:t>, </a:t>
-            </a:r>
-            <a:r>
-              <a:rPr lang="ko-KR" altLang="en-US" sz="1200" dirty="0">
-                <a:solidFill>
-                  <a:srgbClr val="78808D"/>
-                </a:solidFill>
-              </a:rPr>
-              <a:t>서버 측에 데이터를 요청한 후</a:t>
-            </a:r>
-            <a:r>
-              <a:rPr lang="en-US" altLang="ko-KR" sz="1200" dirty="0">
-                <a:solidFill>
-                  <a:srgbClr val="78808D"/>
-                </a:solidFill>
-              </a:rPr>
-              <a:t>, </a:t>
-            </a:r>
-            <a:r>
-              <a:rPr lang="ko-KR" altLang="en-US" sz="1200" dirty="0">
-                <a:solidFill>
-                  <a:srgbClr val="78808D"/>
-                </a:solidFill>
-              </a:rPr>
-              <a:t>그 </a:t>
-            </a:r>
-            <a:r>
-              <a:rPr lang="ko-KR" altLang="en-US" sz="1200" b="1" dirty="0">
-                <a:solidFill>
-                  <a:srgbClr val="78808D"/>
-                </a:solidFill>
-              </a:rPr>
-              <a:t>데이터의 수신이 완료될 때까지 기다리지 않고</a:t>
-            </a:r>
-            <a:r>
-              <a:rPr lang="en-US" altLang="ko-KR" sz="1200" b="1" dirty="0">
-                <a:solidFill>
-                  <a:srgbClr val="78808D"/>
-                </a:solidFill>
-              </a:rPr>
-              <a:t>, </a:t>
-            </a:r>
-            <a:r>
-              <a:rPr lang="ko-KR" altLang="en-US" sz="1200" b="1" dirty="0">
-                <a:solidFill>
-                  <a:srgbClr val="78808D"/>
-                </a:solidFill>
-              </a:rPr>
-              <a:t>다른 작업을 바로 진행</a:t>
-            </a:r>
-            <a:r>
-              <a:rPr lang="ko-KR" altLang="en-US" sz="1200" dirty="0">
-                <a:solidFill>
-                  <a:srgbClr val="78808D"/>
-                </a:solidFill>
-              </a:rPr>
-              <a:t>할 수 있다</a:t>
-            </a:r>
-            <a:r>
-              <a:rPr lang="en-US" altLang="ko-KR" sz="1200" dirty="0">
-                <a:solidFill>
-                  <a:srgbClr val="78808D"/>
-                </a:solidFill>
-              </a:rPr>
-              <a:t>.</a:t>
-            </a:r>
-          </a:p>
-          <a:p>
-            <a:pPr marL="171450" indent="-171450">
+            <a:endParaRPr lang="en-US" altLang="ko-KR" sz="1200" dirty="0">
+              <a:solidFill>
+                <a:srgbClr val="78808D"/>
+              </a:solidFill>
+            </a:endParaRPr>
+          </a:p>
+          <a:p>
+            <a:pPr>
               <a:lnSpc>
                 <a:spcPct val="150000"/>
               </a:lnSpc>
-              <a:buFont typeface="Arial" panose="020B0604020202020204" pitchFamily="34" charset="0"/>
-              <a:buChar char="•"/>
             </a:pPr>
             <a:endParaRPr lang="en-US" altLang="ko-KR" sz="1200" dirty="0">
               <a:solidFill>
@@ -6068,52 +6185,783 @@
             </a:endParaRPr>
           </a:p>
           <a:p>
-            <a:pPr marL="171450" indent="-171450">
+            <a:pPr>
               <a:lnSpc>
                 <a:spcPct val="150000"/>
               </a:lnSpc>
-              <a:buFont typeface="Arial" panose="020B0604020202020204" pitchFamily="34" charset="0"/>
-              <a:buChar char="•"/>
             </a:pPr>
             <a:r>
-              <a:rPr lang="ko-KR" altLang="en-US" sz="1200" dirty="0">
-                <a:solidFill>
-                  <a:srgbClr val="78808D"/>
-                </a:solidFill>
-              </a:rPr>
-              <a:t>웹 페이지를 자유롭게 구성할 수 있게 되었고</a:t>
-            </a:r>
-            <a:r>
-              <a:rPr lang="en-US" altLang="ko-KR" sz="1200" dirty="0">
-                <a:solidFill>
-                  <a:srgbClr val="78808D"/>
-                </a:solidFill>
-              </a:rPr>
-              <a:t>, </a:t>
-            </a:r>
-            <a:r>
-              <a:rPr lang="ko-KR" altLang="en-US" sz="1200" dirty="0">
-                <a:solidFill>
-                  <a:srgbClr val="78808D"/>
-                </a:solidFill>
-              </a:rPr>
-              <a:t>불필요한 </a:t>
-            </a:r>
-            <a:r>
-              <a:rPr lang="ko-KR" altLang="en-US" sz="1200" b="1" dirty="0">
-                <a:solidFill>
-                  <a:srgbClr val="78808D"/>
-                </a:solidFill>
-              </a:rPr>
-              <a:t>잦은 페이지 로딩을 줄일 수 있다</a:t>
-            </a:r>
-            <a:r>
-              <a:rPr lang="en-US" altLang="ko-KR" sz="1200" dirty="0">
-                <a:solidFill>
-                  <a:srgbClr val="78808D"/>
-                </a:solidFill>
-              </a:rPr>
-              <a:t>.</a:t>
+              <a:rPr lang="ko-KR" altLang="en-US" sz="2000" b="1" dirty="0">
+                <a:solidFill>
+                  <a:srgbClr val="00B0F0"/>
+                </a:solidFill>
+              </a:rPr>
+              <a:t>비동기</a:t>
+            </a:r>
+            <a:r>
+              <a:rPr lang="en-US" altLang="ko-KR" sz="1600" b="1" dirty="0">
+                <a:solidFill>
+                  <a:srgbClr val="00B0F0"/>
+                </a:solidFill>
+              </a:rPr>
+              <a:t>(Asynchronous)</a:t>
+            </a:r>
+          </a:p>
+          <a:p>
+            <a:pPr>
+              <a:lnSpc>
+                <a:spcPct val="150000"/>
+              </a:lnSpc>
+            </a:pPr>
+            <a:r>
+              <a:rPr lang="ko-KR" altLang="en-US" sz="1300" dirty="0">
+                <a:solidFill>
+                  <a:srgbClr val="78808D"/>
+                </a:solidFill>
+              </a:rPr>
+              <a:t>병렬적으로 태스크</a:t>
+            </a:r>
+            <a:r>
+              <a:rPr lang="en-US" altLang="ko-KR" sz="1300" dirty="0">
+                <a:solidFill>
+                  <a:srgbClr val="78808D"/>
+                </a:solidFill>
+              </a:rPr>
+              <a:t>(task)</a:t>
+            </a:r>
+            <a:r>
+              <a:rPr lang="ko-KR" altLang="en-US" sz="1300" dirty="0">
+                <a:solidFill>
+                  <a:srgbClr val="78808D"/>
+                </a:solidFill>
+              </a:rPr>
+              <a:t>를 수행한다</a:t>
+            </a:r>
+            <a:r>
+              <a:rPr lang="en-US" altLang="ko-KR" sz="1300" dirty="0">
+                <a:solidFill>
+                  <a:srgbClr val="78808D"/>
+                </a:solidFill>
+              </a:rPr>
+              <a:t>.  </a:t>
+            </a:r>
+            <a:r>
+              <a:rPr lang="ko-KR" altLang="en-US" sz="1300" dirty="0">
+                <a:solidFill>
+                  <a:srgbClr val="78808D"/>
+                </a:solidFill>
+              </a:rPr>
+              <a:t>작업이 종료되지 않은 상태라 하더라도 </a:t>
+            </a:r>
+            <a:r>
+              <a:rPr lang="ko-KR" altLang="en-US" sz="1300" b="1" dirty="0">
+                <a:solidFill>
+                  <a:srgbClr val="78808D"/>
+                </a:solidFill>
+              </a:rPr>
+              <a:t>대기하지 않고 다음 작업을 실행</a:t>
+            </a:r>
+            <a:r>
+              <a:rPr lang="ko-KR" altLang="en-US" sz="1300" dirty="0">
+                <a:solidFill>
+                  <a:srgbClr val="78808D"/>
+                </a:solidFill>
+              </a:rPr>
+              <a:t>한다</a:t>
+            </a:r>
+            <a:endParaRPr lang="en-US" altLang="ko-KR" sz="1300" dirty="0">
+              <a:solidFill>
+                <a:srgbClr val="78808D"/>
+              </a:solidFill>
+            </a:endParaRPr>
+          </a:p>
+        </p:txBody>
+      </p:sp>
+      <p:pic>
+        <p:nvPicPr>
+          <p:cNvPr id="22" name="그림 21">
+            <a:extLst>
+              <a:ext uri="{FF2B5EF4-FFF2-40B4-BE49-F238E27FC236}">
+                <a16:creationId xmlns:a16="http://schemas.microsoft.com/office/drawing/2014/main" id="{9A02C190-2E4F-45AD-9D43-A1F74F4AB7C4}"/>
+              </a:ext>
+            </a:extLst>
+          </p:cNvPr>
+          <p:cNvPicPr>
+            <a:picLocks noChangeAspect="1"/>
+          </p:cNvPicPr>
+          <p:nvPr/>
+        </p:nvPicPr>
+        <p:blipFill rotWithShape="1">
+          <a:blip r:embed="rId2" cstate="print">
+            <a:extLst>
+              <a:ext uri="{28A0092B-C50C-407E-A947-70E740481C1C}">
+                <a14:useLocalDpi xmlns:a14="http://schemas.microsoft.com/office/drawing/2010/main" val="0"/>
+              </a:ext>
+            </a:extLst>
+          </a:blip>
+          <a:srcRect l="5962" b="5962"/>
+          <a:stretch/>
+        </p:blipFill>
+        <p:spPr>
+          <a:xfrm>
+            <a:off x="7075503" y="2463468"/>
+            <a:ext cx="4601626" cy="2866754"/>
+          </a:xfrm>
+          <a:prstGeom prst="rect">
+            <a:avLst/>
+          </a:prstGeom>
+        </p:spPr>
+      </p:pic>
+      <p:cxnSp>
+        <p:nvCxnSpPr>
+          <p:cNvPr id="18" name="직선 연결선 17">
+            <a:extLst>
+              <a:ext uri="{FF2B5EF4-FFF2-40B4-BE49-F238E27FC236}">
+                <a16:creationId xmlns:a16="http://schemas.microsoft.com/office/drawing/2014/main" id="{F60DD112-D6F8-40D2-B846-13A856F4C2CA}"/>
+              </a:ext>
+            </a:extLst>
+          </p:cNvPr>
+          <p:cNvCxnSpPr>
+            <a:cxnSpLocks/>
+          </p:cNvCxnSpPr>
+          <p:nvPr/>
+        </p:nvCxnSpPr>
+        <p:spPr>
+          <a:xfrm>
+            <a:off x="410766" y="3941685"/>
+            <a:ext cx="6057146" cy="0"/>
+          </a:xfrm>
+          <a:prstGeom prst="line">
+            <a:avLst/>
+          </a:prstGeom>
+          <a:ln w="25400">
+            <a:solidFill>
+              <a:srgbClr val="78808D"/>
+            </a:solidFill>
+          </a:ln>
+        </p:spPr>
+        <p:style>
+          <a:lnRef idx="1">
+            <a:schemeClr val="accent1"/>
+          </a:lnRef>
+          <a:fillRef idx="0">
+            <a:schemeClr val="accent1"/>
+          </a:fillRef>
+          <a:effectRef idx="0">
+            <a:schemeClr val="accent1"/>
+          </a:effectRef>
+          <a:fontRef idx="minor">
+            <a:schemeClr val="tx1"/>
+          </a:fontRef>
+        </p:style>
+      </p:cxnSp>
+    </p:spTree>
+    <p:extLst>
+      <p:ext uri="{BB962C8B-B14F-4D97-AF65-F5344CB8AC3E}">
+        <p14:creationId xmlns:p14="http://schemas.microsoft.com/office/powerpoint/2010/main" val="181271212"/>
+      </p:ext>
+    </p:extLst>
+  </p:cSld>
+  <p:clrMapOvr>
+    <a:masterClrMapping/>
+  </p:clrMapOvr>
+</p:sld>
+</file>
+
+<file path=ppt/slides/slide11.xml><?xml version="1.0" encoding="utf-8"?>
+<p:sld xmlns:a="http://schemas.openxmlformats.org/drawingml/2006/main" xmlns:r="http://schemas.openxmlformats.org/officeDocument/2006/relationships" xmlns:p="http://schemas.openxmlformats.org/presentationml/2006/main">
+  <p:cSld>
+    <p:spTree>
+      <p:nvGrpSpPr>
+        <p:cNvPr id="1" name=""/>
+        <p:cNvGrpSpPr/>
+        <p:nvPr/>
+      </p:nvGrpSpPr>
+      <p:grpSpPr>
+        <a:xfrm>
+          <a:off x="0" y="0"/>
+          <a:ext cx="0" cy="0"/>
+          <a:chOff x="0" y="0"/>
+          <a:chExt cx="0" cy="0"/>
+        </a:xfrm>
+      </p:grpSpPr>
+      <p:sp>
+        <p:nvSpPr>
+          <p:cNvPr id="12" name="사각형: 잘린 대각선 방향 모서리 11">
+            <a:extLst>
+              <a:ext uri="{FF2B5EF4-FFF2-40B4-BE49-F238E27FC236}">
+                <a16:creationId xmlns:a16="http://schemas.microsoft.com/office/drawing/2014/main" id="{E785BA1E-6CAA-4578-BD5D-D0A9DAD338DF}"/>
+              </a:ext>
+            </a:extLst>
+          </p:cNvPr>
+          <p:cNvSpPr/>
+          <p:nvPr/>
+        </p:nvSpPr>
+        <p:spPr>
+          <a:xfrm>
+            <a:off x="6761527" y="1556976"/>
+            <a:ext cx="5019413" cy="4679740"/>
+          </a:xfrm>
+          <a:prstGeom prst="snip2DiagRect">
+            <a:avLst>
+              <a:gd name="adj1" fmla="val 0"/>
+              <a:gd name="adj2" fmla="val 13442"/>
+            </a:avLst>
+          </a:prstGeom>
+          <a:solidFill>
+            <a:schemeClr val="bg1"/>
+          </a:solidFill>
+          <a:ln w="19050">
+            <a:solidFill>
+              <a:srgbClr val="214867"/>
+            </a:solidFill>
+          </a:ln>
+        </p:spPr>
+        <p:style>
+          <a:lnRef idx="2">
+            <a:schemeClr val="accent1">
+              <a:shade val="50000"/>
+            </a:schemeClr>
+          </a:lnRef>
+          <a:fillRef idx="1">
+            <a:schemeClr val="accent1"/>
+          </a:fillRef>
+          <a:effectRef idx="0">
+            <a:schemeClr val="accent1"/>
+          </a:effectRef>
+          <a:fontRef idx="minor">
+            <a:schemeClr val="lt1"/>
+          </a:fontRef>
+        </p:style>
+        <p:txBody>
+          <a:bodyPr rtlCol="0" anchor="ctr"/>
+          <a:lstStyle/>
+          <a:p>
+            <a:pPr algn="ctr"/>
+            <a:endParaRPr lang="ko-KR" altLang="en-US">
+              <a:solidFill>
+                <a:prstClr val="white"/>
+              </a:solidFill>
+            </a:endParaRPr>
+          </a:p>
+        </p:txBody>
+      </p:sp>
+      <p:sp>
+        <p:nvSpPr>
+          <p:cNvPr id="14" name="직사각형 13">
+            <a:extLst>
+              <a:ext uri="{FF2B5EF4-FFF2-40B4-BE49-F238E27FC236}">
+                <a16:creationId xmlns:a16="http://schemas.microsoft.com/office/drawing/2014/main" id="{06C33F71-FFC7-4C90-8A7A-F04FBE1B9F8D}"/>
+              </a:ext>
+            </a:extLst>
+          </p:cNvPr>
+          <p:cNvSpPr/>
+          <p:nvPr/>
+        </p:nvSpPr>
+        <p:spPr>
+          <a:xfrm>
+            <a:off x="0" y="-3"/>
+            <a:ext cx="12192000" cy="1081193"/>
+          </a:xfrm>
+          <a:prstGeom prst="rect">
+            <a:avLst/>
+          </a:prstGeom>
+          <a:solidFill>
+            <a:srgbClr val="214867"/>
+          </a:solidFill>
+          <a:ln>
+            <a:noFill/>
+          </a:ln>
+        </p:spPr>
+        <p:style>
+          <a:lnRef idx="2">
+            <a:schemeClr val="accent1">
+              <a:shade val="50000"/>
+            </a:schemeClr>
+          </a:lnRef>
+          <a:fillRef idx="1">
+            <a:schemeClr val="accent1"/>
+          </a:fillRef>
+          <a:effectRef idx="0">
+            <a:schemeClr val="accent1"/>
+          </a:effectRef>
+          <a:fontRef idx="minor">
+            <a:schemeClr val="lt1"/>
+          </a:fontRef>
+        </p:style>
+        <p:txBody>
+          <a:bodyPr rtlCol="0" anchor="t"/>
+          <a:lstStyle/>
+          <a:p>
+            <a:pPr algn="ctr" latinLnBrk="0">
+              <a:lnSpc>
+                <a:spcPct val="150000"/>
+              </a:lnSpc>
+              <a:defRPr/>
+            </a:pPr>
+            <a:r>
+              <a:rPr lang="en-US" altLang="ko-KR" sz="3200" b="1" i="1" kern="0" dirty="0">
+                <a:solidFill>
+                  <a:prstClr val="white"/>
+                </a:solidFill>
+              </a:rPr>
+              <a:t>Ajax </a:t>
+            </a:r>
+            <a:r>
+              <a:rPr lang="ko-KR" altLang="en-US" sz="3200" b="1" i="1" kern="0" dirty="0">
+                <a:solidFill>
+                  <a:prstClr val="white"/>
+                </a:solidFill>
+              </a:rPr>
+              <a:t>란</a:t>
+            </a:r>
+            <a:r>
+              <a:rPr lang="en-US" altLang="ko-KR" sz="3200" b="1" i="1" kern="0" dirty="0">
+                <a:solidFill>
+                  <a:prstClr val="white"/>
+                </a:solidFill>
+              </a:rPr>
+              <a:t> </a:t>
+            </a:r>
+          </a:p>
+          <a:p>
+            <a:pPr algn="ctr" latinLnBrk="0">
+              <a:defRPr/>
+            </a:pPr>
+            <a:r>
+              <a:rPr lang="en-US" altLang="ko-KR" sz="900" kern="0" dirty="0">
+                <a:solidFill>
+                  <a:prstClr val="white"/>
+                </a:solidFill>
+              </a:rPr>
+              <a:t>Asynchronous</a:t>
+            </a:r>
+            <a:r>
+              <a:rPr lang="ko-KR" altLang="en-US" sz="900" kern="0" dirty="0">
+                <a:solidFill>
+                  <a:prstClr val="white"/>
+                </a:solidFill>
+              </a:rPr>
+              <a:t> </a:t>
+            </a:r>
+            <a:r>
+              <a:rPr lang="en-US" altLang="ko-KR" sz="900" kern="0" dirty="0">
+                <a:solidFill>
+                  <a:prstClr val="white"/>
+                </a:solidFill>
+              </a:rPr>
+              <a:t>JavaScript</a:t>
+            </a:r>
+            <a:r>
+              <a:rPr lang="ko-KR" altLang="en-US" sz="900" kern="0" dirty="0">
+                <a:solidFill>
+                  <a:prstClr val="white"/>
+                </a:solidFill>
+              </a:rPr>
+              <a:t> </a:t>
+            </a:r>
+            <a:r>
+              <a:rPr lang="en-US" altLang="ko-KR" sz="900" kern="0" dirty="0">
+                <a:solidFill>
+                  <a:prstClr val="white"/>
+                </a:solidFill>
+              </a:rPr>
+              <a:t>and</a:t>
+            </a:r>
+            <a:r>
+              <a:rPr lang="ko-KR" altLang="en-US" sz="900" kern="0" dirty="0">
+                <a:solidFill>
+                  <a:prstClr val="white"/>
+                </a:solidFill>
+              </a:rPr>
+              <a:t> </a:t>
+            </a:r>
+            <a:r>
+              <a:rPr lang="en-US" altLang="ko-KR" sz="900" kern="0" dirty="0">
+                <a:solidFill>
+                  <a:prstClr val="white"/>
+                </a:solidFill>
+              </a:rPr>
+              <a:t>Xml</a:t>
+            </a:r>
+          </a:p>
+        </p:txBody>
+      </p:sp>
+      <p:grpSp>
+        <p:nvGrpSpPr>
+          <p:cNvPr id="15" name="그룹 14">
+            <a:extLst>
+              <a:ext uri="{FF2B5EF4-FFF2-40B4-BE49-F238E27FC236}">
+                <a16:creationId xmlns:a16="http://schemas.microsoft.com/office/drawing/2014/main" id="{01B88480-A456-4CDB-9ECA-BAC3ADFE90DA}"/>
+              </a:ext>
+            </a:extLst>
+          </p:cNvPr>
+          <p:cNvGrpSpPr/>
+          <p:nvPr/>
+        </p:nvGrpSpPr>
+        <p:grpSpPr>
+          <a:xfrm>
+            <a:off x="10027920" y="-3"/>
+            <a:ext cx="2164081" cy="1082041"/>
+            <a:chOff x="9919316" y="4585314"/>
+            <a:chExt cx="2272685" cy="1136343"/>
+          </a:xfrm>
+        </p:grpSpPr>
+        <p:sp>
+          <p:nvSpPr>
+            <p:cNvPr id="16" name="직각 삼각형 15">
+              <a:extLst>
+                <a:ext uri="{FF2B5EF4-FFF2-40B4-BE49-F238E27FC236}">
+                  <a16:creationId xmlns:a16="http://schemas.microsoft.com/office/drawing/2014/main" id="{55D11947-7A5F-49A1-B4CE-9BD12303E946}"/>
+                </a:ext>
+              </a:extLst>
+            </p:cNvPr>
+            <p:cNvSpPr/>
+            <p:nvPr/>
+          </p:nvSpPr>
+          <p:spPr>
+            <a:xfrm rot="5400000">
+              <a:off x="11055659" y="4585314"/>
+              <a:ext cx="1136342" cy="1136342"/>
+            </a:xfrm>
+            <a:prstGeom prst="rtTriangle">
+              <a:avLst/>
+            </a:prstGeom>
+            <a:solidFill>
+              <a:schemeClr val="bg1"/>
+            </a:solidFill>
+            <a:ln>
+              <a:noFill/>
+            </a:ln>
+          </p:spPr>
+          <p:style>
+            <a:lnRef idx="2">
+              <a:schemeClr val="accent1">
+                <a:shade val="50000"/>
+              </a:schemeClr>
+            </a:lnRef>
+            <a:fillRef idx="1">
+              <a:schemeClr val="accent1"/>
+            </a:fillRef>
+            <a:effectRef idx="0">
+              <a:schemeClr val="accent1"/>
+            </a:effectRef>
+            <a:fontRef idx="minor">
+              <a:schemeClr val="lt1"/>
+            </a:fontRef>
+          </p:style>
+          <p:txBody>
+            <a:bodyPr rtlCol="0" anchor="ctr"/>
+            <a:lstStyle/>
+            <a:p>
+              <a:pPr algn="ctr"/>
+              <a:endParaRPr lang="ko-KR" altLang="en-US">
+                <a:solidFill>
+                  <a:prstClr val="white"/>
+                </a:solidFill>
+              </a:endParaRPr>
+            </a:p>
+          </p:txBody>
+        </p:sp>
+        <p:sp>
+          <p:nvSpPr>
+            <p:cNvPr id="17" name="직각 삼각형 16">
+              <a:extLst>
+                <a:ext uri="{FF2B5EF4-FFF2-40B4-BE49-F238E27FC236}">
+                  <a16:creationId xmlns:a16="http://schemas.microsoft.com/office/drawing/2014/main" id="{7F68E216-A0B8-43CF-8570-8BF98D9FC025}"/>
+                </a:ext>
+              </a:extLst>
+            </p:cNvPr>
+            <p:cNvSpPr/>
+            <p:nvPr/>
+          </p:nvSpPr>
+          <p:spPr>
+            <a:xfrm rot="16200000">
+              <a:off x="9919316" y="4585315"/>
+              <a:ext cx="1136342" cy="1136342"/>
+            </a:xfrm>
+            <a:prstGeom prst="rtTriangle">
+              <a:avLst/>
+            </a:prstGeom>
+            <a:solidFill>
+              <a:srgbClr val="00B0F0"/>
+            </a:solidFill>
+            <a:ln>
+              <a:noFill/>
+            </a:ln>
+          </p:spPr>
+          <p:style>
+            <a:lnRef idx="2">
+              <a:schemeClr val="accent1">
+                <a:shade val="50000"/>
+              </a:schemeClr>
+            </a:lnRef>
+            <a:fillRef idx="1">
+              <a:schemeClr val="accent1"/>
+            </a:fillRef>
+            <a:effectRef idx="0">
+              <a:schemeClr val="accent1"/>
+            </a:effectRef>
+            <a:fontRef idx="minor">
+              <a:schemeClr val="lt1"/>
+            </a:fontRef>
+          </p:style>
+          <p:txBody>
+            <a:bodyPr rtlCol="0" anchor="ctr"/>
+            <a:lstStyle/>
+            <a:p>
+              <a:pPr algn="ctr"/>
+              <a:endParaRPr lang="ko-KR" altLang="en-US">
+                <a:solidFill>
+                  <a:prstClr val="white"/>
+                </a:solidFill>
+              </a:endParaRPr>
+            </a:p>
+          </p:txBody>
+        </p:sp>
+      </p:grpSp>
+      <p:sp>
+        <p:nvSpPr>
+          <p:cNvPr id="2" name="사각형: 잘린 대각선 방향 모서리 1">
+            <a:extLst>
+              <a:ext uri="{FF2B5EF4-FFF2-40B4-BE49-F238E27FC236}">
+                <a16:creationId xmlns:a16="http://schemas.microsoft.com/office/drawing/2014/main" id="{C262272E-A083-482D-AAA4-84DB7FAAD480}"/>
+              </a:ext>
+            </a:extLst>
+          </p:cNvPr>
+          <p:cNvSpPr/>
+          <p:nvPr/>
+        </p:nvSpPr>
+        <p:spPr>
+          <a:xfrm>
+            <a:off x="410766" y="1556976"/>
+            <a:ext cx="6057146" cy="4679740"/>
+          </a:xfrm>
+          <a:prstGeom prst="snip2DiagRect">
+            <a:avLst>
+              <a:gd name="adj1" fmla="val 0"/>
+              <a:gd name="adj2" fmla="val 13442"/>
+            </a:avLst>
+          </a:prstGeom>
+          <a:solidFill>
+            <a:schemeClr val="bg1"/>
+          </a:solidFill>
+          <a:ln w="19050">
+            <a:solidFill>
+              <a:srgbClr val="214867"/>
+            </a:solidFill>
+          </a:ln>
+        </p:spPr>
+        <p:style>
+          <a:lnRef idx="2">
+            <a:schemeClr val="accent1">
+              <a:shade val="50000"/>
+            </a:schemeClr>
+          </a:lnRef>
+          <a:fillRef idx="1">
+            <a:schemeClr val="accent1"/>
+          </a:fillRef>
+          <a:effectRef idx="0">
+            <a:schemeClr val="accent1"/>
+          </a:effectRef>
+          <a:fontRef idx="minor">
+            <a:schemeClr val="lt1"/>
+          </a:fontRef>
+        </p:style>
+        <p:txBody>
+          <a:bodyPr rtlCol="0" anchor="ctr"/>
+          <a:lstStyle/>
+          <a:p>
+            <a:pPr algn="ctr"/>
+            <a:endParaRPr lang="ko-KR" altLang="en-US">
+              <a:solidFill>
+                <a:prstClr val="white"/>
+              </a:solidFill>
+            </a:endParaRPr>
+          </a:p>
+        </p:txBody>
+      </p:sp>
+      <p:sp>
+        <p:nvSpPr>
+          <p:cNvPr id="4" name="직각 삼각형 3">
+            <a:extLst>
+              <a:ext uri="{FF2B5EF4-FFF2-40B4-BE49-F238E27FC236}">
+                <a16:creationId xmlns:a16="http://schemas.microsoft.com/office/drawing/2014/main" id="{8A08EF92-D381-4F2F-99D7-D58A7A8699D6}"/>
+              </a:ext>
+            </a:extLst>
+          </p:cNvPr>
+          <p:cNvSpPr/>
+          <p:nvPr/>
+        </p:nvSpPr>
+        <p:spPr>
+          <a:xfrm rot="10800000">
+            <a:off x="5821960" y="1556976"/>
+            <a:ext cx="645952" cy="817108"/>
+          </a:xfrm>
+          <a:prstGeom prst="rtTriangle">
+            <a:avLst/>
+          </a:prstGeom>
+          <a:solidFill>
+            <a:srgbClr val="00B0F0"/>
+          </a:solidFill>
+          <a:ln w="19050">
+            <a:solidFill>
+              <a:srgbClr val="214867"/>
+            </a:solidFill>
+          </a:ln>
+        </p:spPr>
+        <p:style>
+          <a:lnRef idx="2">
+            <a:schemeClr val="accent1">
+              <a:shade val="50000"/>
+            </a:schemeClr>
+          </a:lnRef>
+          <a:fillRef idx="1">
+            <a:schemeClr val="accent1"/>
+          </a:fillRef>
+          <a:effectRef idx="0">
+            <a:schemeClr val="accent1"/>
+          </a:effectRef>
+          <a:fontRef idx="minor">
+            <a:schemeClr val="lt1"/>
+          </a:fontRef>
+        </p:style>
+        <p:txBody>
+          <a:bodyPr rtlCol="0" anchor="ctr"/>
+          <a:lstStyle/>
+          <a:p>
+            <a:pPr algn="ctr"/>
+            <a:endParaRPr lang="ko-KR" altLang="en-US">
+              <a:solidFill>
+                <a:prstClr val="white"/>
+              </a:solidFill>
+            </a:endParaRPr>
+          </a:p>
+        </p:txBody>
+      </p:sp>
+      <p:sp>
+        <p:nvSpPr>
+          <p:cNvPr id="5" name="직각 삼각형 4">
+            <a:extLst>
+              <a:ext uri="{FF2B5EF4-FFF2-40B4-BE49-F238E27FC236}">
+                <a16:creationId xmlns:a16="http://schemas.microsoft.com/office/drawing/2014/main" id="{DFDB318C-74DC-45F7-8C78-5BEE74037100}"/>
+              </a:ext>
+            </a:extLst>
+          </p:cNvPr>
+          <p:cNvSpPr/>
+          <p:nvPr/>
+        </p:nvSpPr>
+        <p:spPr>
+          <a:xfrm>
+            <a:off x="411060" y="5419608"/>
+            <a:ext cx="645952" cy="817108"/>
+          </a:xfrm>
+          <a:prstGeom prst="rtTriangle">
+            <a:avLst/>
+          </a:prstGeom>
+          <a:solidFill>
+            <a:srgbClr val="00B0F0"/>
+          </a:solidFill>
+          <a:ln w="19050">
+            <a:solidFill>
+              <a:srgbClr val="214867"/>
+            </a:solidFill>
+          </a:ln>
+        </p:spPr>
+        <p:style>
+          <a:lnRef idx="2">
+            <a:schemeClr val="accent1">
+              <a:shade val="50000"/>
+            </a:schemeClr>
+          </a:lnRef>
+          <a:fillRef idx="1">
+            <a:schemeClr val="accent1"/>
+          </a:fillRef>
+          <a:effectRef idx="0">
+            <a:schemeClr val="accent1"/>
+          </a:effectRef>
+          <a:fontRef idx="minor">
+            <a:schemeClr val="lt1"/>
+          </a:fontRef>
+        </p:style>
+        <p:txBody>
+          <a:bodyPr rtlCol="0" anchor="ctr"/>
+          <a:lstStyle/>
+          <a:p>
+            <a:pPr algn="ctr"/>
+            <a:endParaRPr lang="ko-KR" altLang="en-US">
+              <a:solidFill>
+                <a:prstClr val="white"/>
+              </a:solidFill>
+            </a:endParaRPr>
+          </a:p>
+        </p:txBody>
+      </p:sp>
+      <p:sp>
+        <p:nvSpPr>
+          <p:cNvPr id="6" name="직사각형 5">
+            <a:extLst>
+              <a:ext uri="{FF2B5EF4-FFF2-40B4-BE49-F238E27FC236}">
+                <a16:creationId xmlns:a16="http://schemas.microsoft.com/office/drawing/2014/main" id="{97FE9B2E-01A3-4F72-84C0-D6686CD3997B}"/>
+              </a:ext>
+            </a:extLst>
+          </p:cNvPr>
+          <p:cNvSpPr/>
+          <p:nvPr/>
+        </p:nvSpPr>
+        <p:spPr>
+          <a:xfrm>
+            <a:off x="931179" y="2199996"/>
+            <a:ext cx="5301842" cy="817109"/>
+          </a:xfrm>
+          <a:prstGeom prst="rect">
+            <a:avLst/>
+          </a:prstGeom>
+          <a:noFill/>
+          <a:ln>
+            <a:noFill/>
+          </a:ln>
+        </p:spPr>
+        <p:style>
+          <a:lnRef idx="2">
+            <a:schemeClr val="accent1">
+              <a:shade val="50000"/>
+            </a:schemeClr>
+          </a:lnRef>
+          <a:fillRef idx="1">
+            <a:schemeClr val="accent1"/>
+          </a:fillRef>
+          <a:effectRef idx="0">
+            <a:schemeClr val="accent1"/>
+          </a:effectRef>
+          <a:fontRef idx="minor">
+            <a:schemeClr val="lt1"/>
+          </a:fontRef>
+        </p:style>
+        <p:txBody>
+          <a:bodyPr rtlCol="0" anchor="ctr"/>
+          <a:lstStyle/>
+          <a:p>
+            <a:pPr>
+              <a:lnSpc>
+                <a:spcPct val="150000"/>
+              </a:lnSpc>
+            </a:pPr>
+            <a:r>
+              <a:rPr lang="en-US" altLang="ko-KR" sz="2500" b="1" dirty="0">
+                <a:solidFill>
+                  <a:srgbClr val="00B0F0"/>
+                </a:solidFill>
+              </a:rPr>
+              <a:t>Ajax </a:t>
+            </a:r>
+            <a:r>
+              <a:rPr lang="ko-KR" altLang="en-US" sz="2000" b="1" dirty="0">
+                <a:solidFill>
+                  <a:srgbClr val="00B0F0"/>
+                </a:solidFill>
+              </a:rPr>
+              <a:t>의 장점</a:t>
             </a:r>
             <a:endParaRPr lang="en-US" altLang="ko-KR" sz="1200" b="1" dirty="0">
               <a:solidFill>
@@ -6506,6 +7354,217 @@
           </a:p>
         </p:txBody>
       </p:sp>
+      <p:sp>
+        <p:nvSpPr>
+          <p:cNvPr id="20" name="직사각형 19">
+            <a:extLst>
+              <a:ext uri="{FF2B5EF4-FFF2-40B4-BE49-F238E27FC236}">
+                <a16:creationId xmlns:a16="http://schemas.microsoft.com/office/drawing/2014/main" id="{AE43D13C-FCBC-4C49-BD31-BBC4991777FF}"/>
+              </a:ext>
+            </a:extLst>
+          </p:cNvPr>
+          <p:cNvSpPr/>
+          <p:nvPr/>
+        </p:nvSpPr>
+        <p:spPr>
+          <a:xfrm>
+            <a:off x="931179" y="2486025"/>
+            <a:ext cx="5301842" cy="3171825"/>
+          </a:xfrm>
+          <a:prstGeom prst="rect">
+            <a:avLst/>
+          </a:prstGeom>
+          <a:noFill/>
+          <a:ln>
+            <a:noFill/>
+          </a:ln>
+        </p:spPr>
+        <p:style>
+          <a:lnRef idx="2">
+            <a:schemeClr val="accent1">
+              <a:shade val="50000"/>
+            </a:schemeClr>
+          </a:lnRef>
+          <a:fillRef idx="1">
+            <a:schemeClr val="accent1"/>
+          </a:fillRef>
+          <a:effectRef idx="0">
+            <a:schemeClr val="accent1"/>
+          </a:effectRef>
+          <a:fontRef idx="minor">
+            <a:schemeClr val="lt1"/>
+          </a:fontRef>
+        </p:style>
+        <p:txBody>
+          <a:bodyPr rtlCol="0" anchor="ctr"/>
+          <a:lstStyle/>
+          <a:p>
+            <a:pPr marL="171450" indent="-171450">
+              <a:lnSpc>
+                <a:spcPct val="150000"/>
+              </a:lnSpc>
+              <a:buFont typeface="Arial" panose="020B0604020202020204" pitchFamily="34" charset="0"/>
+              <a:buChar char="•"/>
+            </a:pPr>
+            <a:r>
+              <a:rPr lang="en-US" altLang="ko-KR" sz="1200" dirty="0">
+                <a:solidFill>
+                  <a:srgbClr val="78808D"/>
+                </a:solidFill>
+              </a:rPr>
+              <a:t>Ajax</a:t>
+            </a:r>
+            <a:r>
+              <a:rPr lang="ko-KR" altLang="en-US" sz="1200" dirty="0">
+                <a:solidFill>
+                  <a:srgbClr val="78808D"/>
+                </a:solidFill>
+              </a:rPr>
+              <a:t>를 사용함으로써</a:t>
+            </a:r>
+            <a:r>
+              <a:rPr lang="en-US" altLang="ko-KR" sz="1200" dirty="0">
+                <a:solidFill>
+                  <a:srgbClr val="78808D"/>
+                </a:solidFill>
+              </a:rPr>
+              <a:t>, </a:t>
+            </a:r>
+            <a:r>
+              <a:rPr lang="ko-KR" altLang="en-US" sz="1200" dirty="0">
+                <a:solidFill>
+                  <a:srgbClr val="78808D"/>
+                </a:solidFill>
+              </a:rPr>
+              <a:t>서버 측에 데이터를 요청한 후</a:t>
+            </a:r>
+            <a:r>
+              <a:rPr lang="en-US" altLang="ko-KR" sz="1200" dirty="0">
+                <a:solidFill>
+                  <a:srgbClr val="78808D"/>
+                </a:solidFill>
+              </a:rPr>
+              <a:t>, </a:t>
+            </a:r>
+            <a:r>
+              <a:rPr lang="ko-KR" altLang="en-US" sz="1200" dirty="0">
+                <a:solidFill>
+                  <a:srgbClr val="78808D"/>
+                </a:solidFill>
+              </a:rPr>
+              <a:t>그 </a:t>
+            </a:r>
+            <a:r>
+              <a:rPr lang="ko-KR" altLang="en-US" sz="1200" b="1" dirty="0">
+                <a:solidFill>
+                  <a:srgbClr val="78808D"/>
+                </a:solidFill>
+              </a:rPr>
+              <a:t>데이터의 수신이 완료될 때까지 기다리지 않고</a:t>
+            </a:r>
+            <a:r>
+              <a:rPr lang="en-US" altLang="ko-KR" sz="1200" b="1" dirty="0">
+                <a:solidFill>
+                  <a:srgbClr val="78808D"/>
+                </a:solidFill>
+              </a:rPr>
+              <a:t>, </a:t>
+            </a:r>
+            <a:r>
+              <a:rPr lang="ko-KR" altLang="en-US" sz="1200" b="1" dirty="0">
+                <a:solidFill>
+                  <a:srgbClr val="78808D"/>
+                </a:solidFill>
+              </a:rPr>
+              <a:t>다른 작업을 바로 진행</a:t>
+            </a:r>
+            <a:r>
+              <a:rPr lang="ko-KR" altLang="en-US" sz="1200" dirty="0">
+                <a:solidFill>
+                  <a:srgbClr val="78808D"/>
+                </a:solidFill>
+              </a:rPr>
+              <a:t>할 수 있다</a:t>
+            </a:r>
+            <a:r>
+              <a:rPr lang="en-US" altLang="ko-KR" sz="1200" dirty="0">
+                <a:solidFill>
+                  <a:srgbClr val="78808D"/>
+                </a:solidFill>
+              </a:rPr>
+              <a:t>.</a:t>
+            </a:r>
+          </a:p>
+          <a:p>
+            <a:pPr marL="171450" indent="-171450">
+              <a:lnSpc>
+                <a:spcPct val="150000"/>
+              </a:lnSpc>
+              <a:buFont typeface="Arial" panose="020B0604020202020204" pitchFamily="34" charset="0"/>
+              <a:buChar char="•"/>
+            </a:pPr>
+            <a:endParaRPr lang="en-US" altLang="ko-KR" sz="1200" dirty="0">
+              <a:solidFill>
+                <a:srgbClr val="78808D"/>
+              </a:solidFill>
+            </a:endParaRPr>
+          </a:p>
+          <a:p>
+            <a:pPr marL="171450" indent="-171450">
+              <a:lnSpc>
+                <a:spcPct val="150000"/>
+              </a:lnSpc>
+              <a:buFont typeface="Arial" panose="020B0604020202020204" pitchFamily="34" charset="0"/>
+              <a:buChar char="•"/>
+            </a:pPr>
+            <a:r>
+              <a:rPr lang="ko-KR" altLang="en-US" sz="1200" dirty="0">
+                <a:solidFill>
+                  <a:srgbClr val="78808D"/>
+                </a:solidFill>
+              </a:rPr>
+              <a:t>웹 페이지를 자유롭게 구성할 수 있게 되었고</a:t>
+            </a:r>
+            <a:r>
+              <a:rPr lang="en-US" altLang="ko-KR" sz="1200" dirty="0">
+                <a:solidFill>
+                  <a:srgbClr val="78808D"/>
+                </a:solidFill>
+              </a:rPr>
+              <a:t>, </a:t>
+            </a:r>
+            <a:r>
+              <a:rPr lang="ko-KR" altLang="en-US" sz="1200" dirty="0">
+                <a:solidFill>
+                  <a:srgbClr val="78808D"/>
+                </a:solidFill>
+              </a:rPr>
+              <a:t>불필요한 </a:t>
+            </a:r>
+            <a:r>
+              <a:rPr lang="ko-KR" altLang="en-US" sz="1200" b="1" dirty="0">
+                <a:solidFill>
+                  <a:srgbClr val="78808D"/>
+                </a:solidFill>
+              </a:rPr>
+              <a:t>잦은 페이지 로딩을 줄일 수 있다</a:t>
+            </a:r>
+            <a:r>
+              <a:rPr lang="en-US" altLang="ko-KR" sz="1200" dirty="0">
+                <a:solidFill>
+                  <a:srgbClr val="78808D"/>
+                </a:solidFill>
+              </a:rPr>
+              <a:t>.</a:t>
+            </a:r>
+            <a:endParaRPr lang="en-US" altLang="ko-KR" sz="1200" b="1" dirty="0">
+              <a:solidFill>
+                <a:srgbClr val="78808D"/>
+              </a:solidFill>
+            </a:endParaRPr>
+          </a:p>
+        </p:txBody>
+      </p:sp>
     </p:spTree>
     <p:extLst>
       <p:ext uri="{BB962C8B-B14F-4D97-AF65-F5344CB8AC3E}">
@@ -6519,7 +7578,7 @@
 </p:sld>
 </file>
 
-<file path=ppt/slides/slide11.xml><?xml version="1.0" encoding="utf-8"?>
+<file path=ppt/slides/slide12.xml><?xml version="1.0" encoding="utf-8"?>
 <p:sld xmlns:a="http://schemas.openxmlformats.org/drawingml/2006/main" xmlns:r="http://schemas.openxmlformats.org/officeDocument/2006/relationships" xmlns:p="http://schemas.openxmlformats.org/presentationml/2006/main">
   <p:cSld>
     <p:bg>
@@ -7281,7 +8340,7 @@
 </p:sld>
 </file>
 
-<file path=ppt/slides/slide12.xml><?xml version="1.0" encoding="utf-8"?>
+<file path=ppt/slides/slide13.xml><?xml version="1.0" encoding="utf-8"?>
 <p:sld xmlns:a="http://schemas.openxmlformats.org/drawingml/2006/main" xmlns:r="http://schemas.openxmlformats.org/officeDocument/2006/relationships" xmlns:p="http://schemas.openxmlformats.org/presentationml/2006/main">
   <p:cSld>
     <p:spTree>
@@ -8264,7 +9323,7 @@
 </p:sld>
 </file>
 
-<file path=ppt/slides/slide13.xml><?xml version="1.0" encoding="utf-8"?>
+<file path=ppt/slides/slide14.xml><?xml version="1.0" encoding="utf-8"?>
 <p:sld xmlns:a="http://schemas.openxmlformats.org/drawingml/2006/main" xmlns:r="http://schemas.openxmlformats.org/officeDocument/2006/relationships" xmlns:p="http://schemas.openxmlformats.org/presentationml/2006/main">
   <p:cSld>
     <p:spTree>
@@ -9158,7 +10217,7 @@
           <p:nvPr/>
         </p:nvPicPr>
         <p:blipFill>
-          <a:blip r:embed="rId2">
+          <a:blip r:embed="rId3">
             <a:extLst>
               <a:ext uri="{28A0092B-C50C-407E-A947-70E740481C1C}">
                 <a14:useLocalDpi xmlns:a14="http://schemas.microsoft.com/office/drawing/2010/main" val="0"/>
@@ -9191,7 +10250,7 @@
 </p:sld>
 </file>
 
-<file path=ppt/slides/slide14.xml><?xml version="1.0" encoding="utf-8"?>
+<file path=ppt/slides/slide15.xml><?xml version="1.0" encoding="utf-8"?>
 <p:sld xmlns:a="http://schemas.openxmlformats.org/drawingml/2006/main" xmlns:r="http://schemas.openxmlformats.org/officeDocument/2006/relationships" xmlns:p="http://schemas.openxmlformats.org/presentationml/2006/main">
   <p:cSld>
     <p:spTree>
@@ -10039,7 +11098,7 @@
 </p:sld>
 </file>
 
-<file path=ppt/slides/slide15.xml><?xml version="1.0" encoding="utf-8"?>
+<file path=ppt/slides/slide16.xml><?xml version="1.0" encoding="utf-8"?>
 <p:sld xmlns:a="http://schemas.openxmlformats.org/drawingml/2006/main" xmlns:r="http://schemas.openxmlformats.org/officeDocument/2006/relationships" xmlns:p="http://schemas.openxmlformats.org/presentationml/2006/main">
   <p:cSld>
     <p:spTree>
@@ -11090,7 +12149,7 @@
 </p:sld>
 </file>
 
-<file path=ppt/slides/slide16.xml><?xml version="1.0" encoding="utf-8"?>
+<file path=ppt/slides/slide17.xml><?xml version="1.0" encoding="utf-8"?>
 <p:sld xmlns:a="http://schemas.openxmlformats.org/drawingml/2006/main" xmlns:r="http://schemas.openxmlformats.org/officeDocument/2006/relationships" xmlns:p="http://schemas.openxmlformats.org/presentationml/2006/main">
   <p:cSld>
     <p:spTree>
@@ -12406,7 +13465,7 @@
 </p:sld>
 </file>
 
-<file path=ppt/slides/slide17.xml><?xml version="1.0" encoding="utf-8"?>
+<file path=ppt/slides/slide18.xml><?xml version="1.0" encoding="utf-8"?>
 <p:sld xmlns:a="http://schemas.openxmlformats.org/drawingml/2006/main" xmlns:r="http://schemas.openxmlformats.org/officeDocument/2006/relationships" xmlns:p="http://schemas.openxmlformats.org/presentationml/2006/main">
   <p:cSld>
     <p:bg>
@@ -13250,7 +14309,7 @@
                   <a:srgbClr val="78808D"/>
                 </a:solidFill>
               </a:rPr>
-              <a:t>인터넷 프로토콜 스위트는 인터넷에서 컴퓨터들이 서로 정보를 주고받는 데 쓰이는 통신규약</a:t>
+              <a:t>인터넷 프로토콜 스위트는 인터넷에서 컴퓨터들이 서로 정보를 주고받는 데 쓰이는 프로토콜</a:t>
             </a:r>
             <a:r>
               <a:rPr lang="en-US" altLang="ko-KR" sz="1050" dirty="0">
@@ -13266,7 +14325,7 @@
                   <a:srgbClr val="78808D"/>
                 </a:solidFill>
               </a:rPr>
-              <a:t>프로토콜</a:t>
+              <a:t>통신규약</a:t>
             </a:r>
             <a:r>
               <a:rPr lang="en-US" altLang="ko-KR" sz="1050" dirty="0">
@@ -13595,6 +14654,18 @@
               </a:rPr>
               <a:t>.</a:t>
             </a:r>
+          </a:p>
+          <a:p>
+            <a:pPr>
+              <a:lnSpc>
+                <a:spcPct val="150000"/>
+              </a:lnSpc>
+            </a:pPr>
+            <a:endParaRPr lang="en-US" altLang="ko-KR" sz="1050" dirty="0">
+              <a:solidFill>
+                <a:srgbClr val="78808D"/>
+              </a:solidFill>
+            </a:endParaRPr>
           </a:p>
           <a:p>
             <a:pPr>
@@ -14882,7 +15953,7 @@
                   <a:srgbClr val="78808D"/>
                 </a:solidFill>
               </a:rPr>
-              <a:t>참조모델은 컴퓨터와 컴퓨터 사이의 데이터전송을 분류한 모델</a:t>
+              <a:t>네트워크 연결 통신의 절차를 </a:t>
             </a:r>
             <a:r>
               <a:rPr lang="en-US" altLang="ko-KR" sz="1100" dirty="0">
@@ -14890,7 +15961,7 @@
                   <a:srgbClr val="78808D"/>
                 </a:solidFill>
               </a:rPr>
-              <a:t>(</a:t>
+              <a:t>7</a:t>
             </a:r>
             <a:r>
               <a:rPr lang="ko-KR" altLang="en-US" sz="1100" dirty="0">
@@ -14898,23 +15969,7 @@
                   <a:srgbClr val="78808D"/>
                 </a:solidFill>
               </a:rPr>
-              <a:t>모형</a:t>
-            </a:r>
-            <a:r>
-              <a:rPr lang="en-US" altLang="ko-KR" sz="1100" dirty="0">
-                <a:solidFill>
-                  <a:srgbClr val="78808D"/>
-                </a:solidFill>
-              </a:rPr>
-              <a:t>) </a:t>
-            </a:r>
-            <a:r>
-              <a:rPr lang="ko-KR" altLang="en-US" sz="1100" dirty="0">
-                <a:solidFill>
-                  <a:srgbClr val="78808D"/>
-                </a:solidFill>
-              </a:rPr>
-              <a:t>네트워킹 또는 무선통신 시스템의 기능을 설명하는 개념 </a:t>
+              <a:t>계층으로 표준화 하여 정리한 개념</a:t>
             </a:r>
             <a:endParaRPr lang="en-US" altLang="ko-KR" sz="1100" dirty="0">
               <a:solidFill>
@@ -15479,54 +16534,6 @@
             </a:endParaRPr>
           </a:p>
           <a:p>
-            <a:pPr>
-              <a:lnSpc>
-                <a:spcPct val="150000"/>
-              </a:lnSpc>
-            </a:pPr>
-            <a:r>
-              <a:rPr lang="en-US" altLang="ko-KR" sz="1300" b="1" dirty="0">
-                <a:solidFill>
-                  <a:srgbClr val="78808D"/>
-                </a:solidFill>
-              </a:rPr>
-              <a:t>HTTP</a:t>
-            </a:r>
-            <a:r>
-              <a:rPr lang="ko-KR" altLang="en-US" sz="1300" b="1" dirty="0">
-                <a:solidFill>
-                  <a:srgbClr val="78808D"/>
-                </a:solidFill>
-              </a:rPr>
-              <a:t> 프로토콜을 이용해서 도착지에 데이터를 보내겠다는 뜻</a:t>
-            </a:r>
-            <a:r>
-              <a:rPr lang="ko-KR" altLang="en-US" sz="1300" dirty="0">
-                <a:solidFill>
-                  <a:srgbClr val="78808D"/>
-                </a:solidFill>
-              </a:rPr>
-              <a:t>이며 요청과 동시에 표현계층으로 이동</a:t>
-            </a:r>
-            <a:endParaRPr lang="en-US" altLang="ko-KR" sz="1300" dirty="0">
-              <a:solidFill>
-                <a:srgbClr val="78808D"/>
-              </a:solidFill>
-            </a:endParaRPr>
-          </a:p>
-          <a:p>
-            <a:pPr>
-              <a:lnSpc>
-                <a:spcPct val="150000"/>
-              </a:lnSpc>
-            </a:pPr>
-            <a:endParaRPr lang="en-US" altLang="ko-KR" sz="1300" dirty="0">
-              <a:solidFill>
-                <a:srgbClr val="78808D"/>
-              </a:solidFill>
-            </a:endParaRPr>
-          </a:p>
-          <a:p>
             <a:pPr marL="285750" indent="-285750">
               <a:lnSpc>
                 <a:spcPct val="150000"/>
@@ -15540,7 +16547,7 @@
                   <a:srgbClr val="78808D"/>
                 </a:solidFill>
               </a:rPr>
-              <a:t>표현계층 </a:t>
+              <a:t>사용자가 확인하는 브라우저</a:t>
             </a:r>
             <a:r>
               <a:rPr lang="en-US" altLang="ko-KR" sz="1300" dirty="0">
@@ -15548,7 +16555,7 @@
                   <a:srgbClr val="78808D"/>
                 </a:solidFill>
               </a:rPr>
-              <a:t>: </a:t>
+              <a:t>, </a:t>
             </a:r>
             <a:r>
               <a:rPr lang="ko-KR" altLang="en-US" sz="1300" dirty="0">
@@ -15556,7 +16563,7 @@
                   <a:srgbClr val="78808D"/>
                 </a:solidFill>
               </a:rPr>
-              <a:t>데이터를 가공</a:t>
+              <a:t>메일 등 네트워크를 활용하는 다양한 응용 프로그램이 포함되어 있으며</a:t>
             </a:r>
             <a:r>
               <a:rPr lang="en-US" altLang="ko-KR" sz="1300" dirty="0">
@@ -15564,7 +16571,7 @@
                   <a:srgbClr val="78808D"/>
                 </a:solidFill>
               </a:rPr>
-              <a:t>/</a:t>
+              <a:t>,</a:t>
             </a:r>
             <a:r>
               <a:rPr lang="ko-KR" altLang="en-US" sz="1300" dirty="0">
@@ -15572,15 +16579,23 @@
                   <a:srgbClr val="78808D"/>
                 </a:solidFill>
               </a:rPr>
-              <a:t>처리 하여 만약 </a:t>
-            </a:r>
-            <a:r>
-              <a:rPr lang="en-US" altLang="ko-KR" sz="1300" dirty="0">
-                <a:solidFill>
-                  <a:srgbClr val="78808D"/>
-                </a:solidFill>
-              </a:rPr>
-              <a:t>https</a:t>
+              <a:t> 대표적으로 </a:t>
+            </a:r>
+            <a:r>
+              <a:rPr lang="en-US" altLang="ko-KR" sz="1300" b="1" dirty="0">
+                <a:solidFill>
+                  <a:srgbClr val="78808D"/>
+                </a:solidFill>
+              </a:rPr>
+              <a:t>HTTP, HTTPS</a:t>
+            </a:r>
+            <a:r>
+              <a:rPr lang="ko-KR" altLang="en-US" sz="1300" b="1" dirty="0">
+                <a:solidFill>
+                  <a:srgbClr val="78808D"/>
+                </a:solidFill>
+              </a:rPr>
+              <a:t>와 같은 프로토콜을 이용하여 메시지를 전달</a:t>
             </a:r>
             <a:r>
               <a:rPr lang="ko-KR" altLang="en-US" sz="1300" dirty="0">
@@ -15588,7 +16603,7 @@
                   <a:srgbClr val="78808D"/>
                 </a:solidFill>
               </a:rPr>
-              <a:t>보안 프로토콜을 사용한다면 어플리케이션 계층의 데이터를 암호화한다</a:t>
+              <a:t>한다</a:t>
             </a:r>
             <a:endParaRPr lang="en-US" altLang="ko-KR" sz="1300" dirty="0">
               <a:solidFill>
@@ -15602,7 +16617,7 @@
                 <a:spcPct val="150000"/>
               </a:lnSpc>
             </a:pPr>
-            <a:endParaRPr lang="en-US" altLang="ko-KR" sz="1300" dirty="0">
+            <a:endParaRPr lang="en-US" altLang="ko-KR" sz="1300" b="1" dirty="0">
               <a:solidFill>
                 <a:srgbClr val="78808D"/>
               </a:solidFill>
@@ -15622,6 +16637,90 @@
                   <a:srgbClr val="78808D"/>
                 </a:solidFill>
               </a:rPr>
+              <a:t>표현계층 </a:t>
+            </a:r>
+            <a:r>
+              <a:rPr lang="en-US" altLang="ko-KR" sz="1300" dirty="0">
+                <a:solidFill>
+                  <a:srgbClr val="78808D"/>
+                </a:solidFill>
+              </a:rPr>
+              <a:t>: </a:t>
+            </a:r>
+            <a:r>
+              <a:rPr lang="ko-KR" altLang="en-US" sz="1300" dirty="0">
+                <a:solidFill>
+                  <a:srgbClr val="78808D"/>
+                </a:solidFill>
+              </a:rPr>
+              <a:t>데이터를 더 빠르고 안전하게 전송하기 위한 압축</a:t>
+            </a:r>
+            <a:r>
+              <a:rPr lang="en-US" altLang="ko-KR" sz="1300" dirty="0">
+                <a:solidFill>
+                  <a:srgbClr val="78808D"/>
+                </a:solidFill>
+              </a:rPr>
+              <a:t>, </a:t>
+            </a:r>
+            <a:r>
+              <a:rPr lang="ko-KR" altLang="en-US" sz="1300" dirty="0">
+                <a:solidFill>
+                  <a:srgbClr val="78808D"/>
+                </a:solidFill>
+              </a:rPr>
+              <a:t>또한 더 안전하게 전송하기 위한 암호화</a:t>
+            </a:r>
+            <a:r>
+              <a:rPr lang="en-US" altLang="ko-KR" sz="1300" dirty="0">
+                <a:solidFill>
+                  <a:srgbClr val="78808D"/>
+                </a:solidFill>
+              </a:rPr>
+              <a:t>/</a:t>
+            </a:r>
+            <a:r>
+              <a:rPr lang="ko-KR" altLang="en-US" sz="1300" dirty="0">
+                <a:solidFill>
+                  <a:srgbClr val="78808D"/>
+                </a:solidFill>
+              </a:rPr>
+              <a:t>복호화의 작업을 하는 단계</a:t>
+            </a:r>
+            <a:endParaRPr lang="en-US" altLang="ko-KR" sz="1300" dirty="0">
+              <a:solidFill>
+                <a:srgbClr val="78808D"/>
+              </a:solidFill>
+            </a:endParaRPr>
+          </a:p>
+          <a:p>
+            <a:pPr marL="285750" indent="-285750">
+              <a:lnSpc>
+                <a:spcPct val="150000"/>
+              </a:lnSpc>
+              <a:buFont typeface="Arial" panose="020B0604020202020204" pitchFamily="34" charset="0"/>
+              <a:buChar char="•"/>
+            </a:pPr>
+            <a:endParaRPr lang="en-US" altLang="ko-KR" sz="1300" dirty="0">
+              <a:solidFill>
+                <a:srgbClr val="78808D"/>
+              </a:solidFill>
+            </a:endParaRPr>
+          </a:p>
+          <a:p>
+            <a:pPr marL="285750" indent="-285750">
+              <a:lnSpc>
+                <a:spcPct val="150000"/>
+              </a:lnSpc>
+              <a:buFont typeface="Arial" panose="020B0604020202020204" pitchFamily="34" charset="0"/>
+              <a:buChar char="•"/>
+            </a:pPr>
+            <a:r>
+              <a:rPr lang="ko-KR" altLang="en-US" sz="1300" dirty="0">
+                <a:solidFill>
+                  <a:srgbClr val="78808D"/>
+                </a:solidFill>
+              </a:rPr>
               <a:t>세션계층 </a:t>
             </a:r>
             <a:r>
@@ -15638,7 +16737,7 @@
                   <a:srgbClr val="78808D"/>
                 </a:solidFill>
               </a:rPr>
-              <a:t>데이터의 무결성이나 신뢰성을 확인하는 단계로 네트워크 계층을 위해 데이터를 끊어주거나 확인해준다</a:t>
+              <a:t>데이터가 서로 만나는 환경을 조성해주며 서버에 인증이 필요한 경우 접근 권한을 부여하거나 부여하지 않는다 </a:t>
             </a:r>
             <a:endParaRPr lang="en-US" altLang="ko-KR" sz="1300" dirty="0">
               <a:solidFill>
@@ -17080,7 +18179,7 @@
                   <a:srgbClr val="78808D"/>
                 </a:solidFill>
               </a:rPr>
-              <a:t>데이터를</a:t>
+              <a:t>데이터가 들어있는 패킷이 서울에서 뉴욕까지 가는 경로는 상당히 많다 그러한 경로를 어떻게 설정해서 나아갈지 결정하게 하는 계층이며 각 단말을 구분하도록 할당되는 </a:t>
             </a:r>
             <a:r>
               <a:rPr lang="en-US" altLang="ko-KR" sz="1300" dirty="0">
@@ -17088,7 +18187,7 @@
                   <a:srgbClr val="78808D"/>
                 </a:solidFill>
               </a:rPr>
-              <a:t> </a:t>
+              <a:t>IP</a:t>
             </a:r>
             <a:r>
               <a:rPr lang="ko-KR" altLang="en-US" sz="1300" dirty="0">
@@ -17096,31 +18195,7 @@
                   <a:srgbClr val="78808D"/>
                 </a:solidFill>
               </a:rPr>
-              <a:t>받은 인터넷 레이어에서 </a:t>
-            </a:r>
-            <a:r>
-              <a:rPr lang="en-US" altLang="ko-KR" sz="1300" b="1" dirty="0">
-                <a:solidFill>
-                  <a:srgbClr val="78808D"/>
-                </a:solidFill>
-              </a:rPr>
-              <a:t>IP</a:t>
-            </a:r>
-            <a:r>
-              <a:rPr lang="ko-KR" altLang="en-US" sz="1300" b="1" dirty="0">
-                <a:solidFill>
-                  <a:srgbClr val="78808D"/>
-                </a:solidFill>
-              </a:rPr>
-              <a:t>프로토콜을 통해 라우터들을 이동하며 목적지로 전달</a:t>
-            </a:r>
-            <a:r>
-              <a:rPr lang="ko-KR" altLang="en-US" sz="1300" dirty="0">
-                <a:solidFill>
-                  <a:srgbClr val="78808D"/>
-                </a:solidFill>
-              </a:rPr>
-              <a:t>된다</a:t>
+              <a:t>주소를 기반으로 네트워크를 구분하는 라우팅 기능이 있다</a:t>
             </a:r>
             <a:endParaRPr lang="en-US" altLang="ko-KR" sz="1300" dirty="0">
               <a:solidFill>
@@ -17799,58 +18874,6 @@
                 <a:spcPct val="150000"/>
               </a:lnSpc>
             </a:pPr>
-            <a:endParaRPr lang="en-US" altLang="ko-KR" sz="2500" b="1" dirty="0">
-              <a:solidFill>
-                <a:srgbClr val="00B0F0"/>
-              </a:solidFill>
-            </a:endParaRPr>
-          </a:p>
-          <a:p>
-            <a:pPr>
-              <a:lnSpc>
-                <a:spcPct val="150000"/>
-              </a:lnSpc>
-            </a:pPr>
-            <a:r>
-              <a:rPr lang="ko-KR" altLang="en-US" sz="1300" dirty="0">
-                <a:solidFill>
-                  <a:srgbClr val="78808D"/>
-                </a:solidFill>
-              </a:rPr>
-              <a:t>데이터 링크 계층 </a:t>
-            </a:r>
-            <a:r>
-              <a:rPr lang="en-US" altLang="ko-KR" sz="1300" dirty="0">
-                <a:solidFill>
-                  <a:srgbClr val="78808D"/>
-                </a:solidFill>
-              </a:rPr>
-              <a:t>: </a:t>
-            </a:r>
-            <a:r>
-              <a:rPr lang="ko-KR" altLang="en-US" sz="1300" dirty="0">
-                <a:solidFill>
-                  <a:srgbClr val="78808D"/>
-                </a:solidFill>
-              </a:rPr>
-              <a:t>대표적인 프로토콜이 이더넷이며 브릿지</a:t>
-            </a:r>
-            <a:r>
-              <a:rPr lang="en-US" altLang="ko-KR" sz="1300" dirty="0">
-                <a:solidFill>
-                  <a:srgbClr val="78808D"/>
-                </a:solidFill>
-              </a:rPr>
-              <a:t>, </a:t>
-            </a:r>
-            <a:r>
-              <a:rPr lang="ko-KR" altLang="en-US" sz="1300" dirty="0">
-                <a:solidFill>
-                  <a:srgbClr val="78808D"/>
-                </a:solidFill>
-              </a:rPr>
-              <a:t>스위치와 같은 장비가 해당된다</a:t>
-            </a:r>
             <a:endParaRPr lang="en-US" altLang="ko-KR" sz="1300" dirty="0">
               <a:solidFill>
                 <a:srgbClr val="78808D"/>
@@ -17897,7 +18920,7 @@
                   <a:srgbClr val="78808D"/>
                 </a:solidFill>
               </a:rPr>
-              <a:t>랜선</a:t>
+              <a:t>전기</a:t>
             </a:r>
             <a:r>
               <a:rPr lang="en-US" altLang="ko-KR" sz="1300" dirty="0">
@@ -17913,8 +18936,116 @@
                   <a:srgbClr val="78808D"/>
                 </a:solidFill>
               </a:rPr>
-              <a:t>허브등과 같이 실제 물리적인 영역에서의 데이터 계층이다</a:t>
-            </a:r>
+              <a:t>물리신호에 대한 계층이며 단순하게 장비를 가동시키기 위한 전기 공급부터 무선 통신을 위한 주파수까지 다양한 전기적</a:t>
+            </a:r>
+            <a:r>
+              <a:rPr lang="en-US" altLang="ko-KR" sz="1300" dirty="0">
+                <a:solidFill>
+                  <a:srgbClr val="78808D"/>
+                </a:solidFill>
+              </a:rPr>
+              <a:t>/</a:t>
+            </a:r>
+            <a:r>
+              <a:rPr lang="ko-KR" altLang="en-US" sz="1300" dirty="0">
+                <a:solidFill>
+                  <a:srgbClr val="78808D"/>
+                </a:solidFill>
+              </a:rPr>
+              <a:t>물리적인 것들이 포함된다</a:t>
+            </a:r>
+            <a:endParaRPr lang="en-US" altLang="ko-KR" sz="1300" dirty="0">
+              <a:solidFill>
+                <a:srgbClr val="78808D"/>
+              </a:solidFill>
+            </a:endParaRPr>
+          </a:p>
+          <a:p>
+            <a:pPr>
+              <a:lnSpc>
+                <a:spcPct val="150000"/>
+              </a:lnSpc>
+            </a:pPr>
+            <a:endParaRPr lang="en-US" altLang="ko-KR" sz="1300" dirty="0">
+              <a:solidFill>
+                <a:srgbClr val="78808D"/>
+              </a:solidFill>
+            </a:endParaRPr>
+          </a:p>
+          <a:p>
+            <a:pPr>
+              <a:lnSpc>
+                <a:spcPct val="150000"/>
+              </a:lnSpc>
+            </a:pPr>
+            <a:r>
+              <a:rPr lang="ko-KR" altLang="en-US" sz="1300" dirty="0">
+                <a:solidFill>
+                  <a:srgbClr val="78808D"/>
+                </a:solidFill>
+              </a:rPr>
+              <a:t>데이터 링크 계층 </a:t>
+            </a:r>
+            <a:r>
+              <a:rPr lang="en-US" altLang="ko-KR" sz="1300" dirty="0">
+                <a:solidFill>
+                  <a:srgbClr val="78808D"/>
+                </a:solidFill>
+              </a:rPr>
+              <a:t>: </a:t>
+            </a:r>
+            <a:r>
+              <a:rPr lang="ko-KR" altLang="en-US" sz="1300" dirty="0">
+                <a:solidFill>
+                  <a:srgbClr val="78808D"/>
+                </a:solidFill>
+              </a:rPr>
+              <a:t>데이터를 신뢰성 있게 전송하는 계층이며 또한 물리주소</a:t>
+            </a:r>
+            <a:r>
+              <a:rPr lang="en-US" altLang="ko-KR" sz="1300" dirty="0">
+                <a:solidFill>
+                  <a:srgbClr val="78808D"/>
+                </a:solidFill>
+              </a:rPr>
+              <a:t>(MAC</a:t>
+            </a:r>
+            <a:r>
+              <a:rPr lang="ko-KR" altLang="en-US" sz="1300" dirty="0">
+                <a:solidFill>
+                  <a:srgbClr val="78808D"/>
+                </a:solidFill>
+              </a:rPr>
+              <a:t>주소</a:t>
+            </a:r>
+            <a:r>
+              <a:rPr lang="en-US" altLang="ko-KR" sz="1300" dirty="0">
+                <a:solidFill>
+                  <a:srgbClr val="78808D"/>
+                </a:solidFill>
+              </a:rPr>
+              <a:t>)</a:t>
+            </a:r>
+            <a:r>
+              <a:rPr lang="ko-KR" altLang="en-US" sz="1300" dirty="0">
+                <a:solidFill>
+                  <a:srgbClr val="78808D"/>
+                </a:solidFill>
+              </a:rPr>
+              <a:t>를 참조하여 각 장비간 전송을 한다</a:t>
+            </a:r>
+            <a:endParaRPr lang="en-US" altLang="ko-KR" sz="1300" dirty="0">
+              <a:solidFill>
+                <a:srgbClr val="78808D"/>
+              </a:solidFill>
+            </a:endParaRPr>
+          </a:p>
+          <a:p>
+            <a:pPr>
+              <a:lnSpc>
+                <a:spcPct val="150000"/>
+              </a:lnSpc>
+            </a:pPr>
             <a:endParaRPr lang="en-US" altLang="ko-KR" sz="1300" dirty="0">
               <a:solidFill>
                 <a:srgbClr val="78808D"/>
@@ -18219,6 +19350,659 @@
 </file>
 
 <file path=ppt/slides/slide8.xml><?xml version="1.0" encoding="utf-8"?>
+<p:sld xmlns:a="http://schemas.openxmlformats.org/drawingml/2006/main" xmlns:r="http://schemas.openxmlformats.org/officeDocument/2006/relationships" xmlns:p="http://schemas.openxmlformats.org/presentationml/2006/main">
+  <p:cSld>
+    <p:bg>
+      <p:bgPr>
+        <a:solidFill>
+          <a:srgbClr val="214867"/>
+        </a:solidFill>
+        <a:effectLst/>
+      </p:bgPr>
+    </p:bg>
+    <p:spTree>
+      <p:nvGrpSpPr>
+        <p:cNvPr id="1" name=""/>
+        <p:cNvGrpSpPr/>
+        <p:nvPr/>
+      </p:nvGrpSpPr>
+      <p:grpSpPr>
+        <a:xfrm>
+          <a:off x="0" y="0"/>
+          <a:ext cx="0" cy="0"/>
+          <a:chOff x="0" y="0"/>
+          <a:chExt cx="0" cy="0"/>
+        </a:xfrm>
+      </p:grpSpPr>
+      <p:sp>
+        <p:nvSpPr>
+          <p:cNvPr id="8" name="직사각형 7">
+            <a:extLst>
+              <a:ext uri="{FF2B5EF4-FFF2-40B4-BE49-F238E27FC236}">
+                <a16:creationId xmlns:a16="http://schemas.microsoft.com/office/drawing/2014/main" id="{24A12FF3-B48F-4CEB-A598-F2FF8F12B519}"/>
+              </a:ext>
+            </a:extLst>
+          </p:cNvPr>
+          <p:cNvSpPr/>
+          <p:nvPr/>
+        </p:nvSpPr>
+        <p:spPr>
+          <a:xfrm>
+            <a:off x="0" y="5261092"/>
+            <a:ext cx="12192000" cy="1596908"/>
+          </a:xfrm>
+          <a:prstGeom prst="rect">
+            <a:avLst/>
+          </a:prstGeom>
+          <a:solidFill>
+            <a:schemeClr val="bg1"/>
+          </a:solidFill>
+          <a:ln>
+            <a:noFill/>
+          </a:ln>
+        </p:spPr>
+        <p:style>
+          <a:lnRef idx="2">
+            <a:schemeClr val="accent1">
+              <a:shade val="50000"/>
+            </a:schemeClr>
+          </a:lnRef>
+          <a:fillRef idx="1">
+            <a:schemeClr val="accent1"/>
+          </a:fillRef>
+          <a:effectRef idx="0">
+            <a:schemeClr val="accent1"/>
+          </a:effectRef>
+          <a:fontRef idx="minor">
+            <a:schemeClr val="lt1"/>
+          </a:fontRef>
+        </p:style>
+        <p:txBody>
+          <a:bodyPr rtlCol="0" anchor="ctr"/>
+          <a:lstStyle/>
+          <a:p>
+            <a:pPr algn="ctr"/>
+            <a:endParaRPr lang="ko-KR" altLang="en-US">
+              <a:solidFill>
+                <a:prstClr val="white"/>
+              </a:solidFill>
+            </a:endParaRPr>
+          </a:p>
+        </p:txBody>
+      </p:sp>
+      <p:grpSp>
+        <p:nvGrpSpPr>
+          <p:cNvPr id="15" name="그룹 14">
+            <a:extLst>
+              <a:ext uri="{FF2B5EF4-FFF2-40B4-BE49-F238E27FC236}">
+                <a16:creationId xmlns:a16="http://schemas.microsoft.com/office/drawing/2014/main" id="{EAAAD1CA-9854-4AD2-9A09-9128641DB0C3}"/>
+              </a:ext>
+            </a:extLst>
+          </p:cNvPr>
+          <p:cNvGrpSpPr/>
+          <p:nvPr/>
+        </p:nvGrpSpPr>
+        <p:grpSpPr>
+          <a:xfrm>
+            <a:off x="8998187" y="3664186"/>
+            <a:ext cx="3193813" cy="3193813"/>
+            <a:chOff x="9919316" y="4585315"/>
+            <a:chExt cx="2272684" cy="2272684"/>
+          </a:xfrm>
+        </p:grpSpPr>
+        <p:sp>
+          <p:nvSpPr>
+            <p:cNvPr id="9" name="직각 삼각형 8">
+              <a:extLst>
+                <a:ext uri="{FF2B5EF4-FFF2-40B4-BE49-F238E27FC236}">
+                  <a16:creationId xmlns:a16="http://schemas.microsoft.com/office/drawing/2014/main" id="{909E612A-71C7-4167-80E9-977EAF958603}"/>
+                </a:ext>
+              </a:extLst>
+            </p:cNvPr>
+            <p:cNvSpPr/>
+            <p:nvPr/>
+          </p:nvSpPr>
+          <p:spPr>
+            <a:xfrm rot="5400000">
+              <a:off x="11055658" y="4585315"/>
+              <a:ext cx="1136342" cy="1136342"/>
+            </a:xfrm>
+            <a:prstGeom prst="rtTriangle">
+              <a:avLst/>
+            </a:prstGeom>
+            <a:solidFill>
+              <a:schemeClr val="bg1"/>
+            </a:solidFill>
+            <a:ln>
+              <a:noFill/>
+            </a:ln>
+          </p:spPr>
+          <p:style>
+            <a:lnRef idx="2">
+              <a:schemeClr val="accent1">
+                <a:shade val="50000"/>
+              </a:schemeClr>
+            </a:lnRef>
+            <a:fillRef idx="1">
+              <a:schemeClr val="accent1"/>
+            </a:fillRef>
+            <a:effectRef idx="0">
+              <a:schemeClr val="accent1"/>
+            </a:effectRef>
+            <a:fontRef idx="minor">
+              <a:schemeClr val="lt1"/>
+            </a:fontRef>
+          </p:style>
+          <p:txBody>
+            <a:bodyPr rtlCol="0" anchor="ctr"/>
+            <a:lstStyle/>
+            <a:p>
+              <a:pPr algn="ctr"/>
+              <a:endParaRPr lang="ko-KR" altLang="en-US">
+                <a:solidFill>
+                  <a:prstClr val="white"/>
+                </a:solidFill>
+              </a:endParaRPr>
+            </a:p>
+          </p:txBody>
+        </p:sp>
+        <p:sp>
+          <p:nvSpPr>
+            <p:cNvPr id="10" name="직각 삼각형 9">
+              <a:extLst>
+                <a:ext uri="{FF2B5EF4-FFF2-40B4-BE49-F238E27FC236}">
+                  <a16:creationId xmlns:a16="http://schemas.microsoft.com/office/drawing/2014/main" id="{FF4A6971-B874-4CDC-9E32-6F72593F0560}"/>
+                </a:ext>
+              </a:extLst>
+            </p:cNvPr>
+            <p:cNvSpPr/>
+            <p:nvPr/>
+          </p:nvSpPr>
+          <p:spPr>
+            <a:xfrm rot="16200000">
+              <a:off x="9919316" y="4585315"/>
+              <a:ext cx="1136342" cy="1136342"/>
+            </a:xfrm>
+            <a:prstGeom prst="rtTriangle">
+              <a:avLst/>
+            </a:prstGeom>
+            <a:solidFill>
+              <a:srgbClr val="00B0F0"/>
+            </a:solidFill>
+            <a:ln>
+              <a:noFill/>
+            </a:ln>
+          </p:spPr>
+          <p:style>
+            <a:lnRef idx="2">
+              <a:schemeClr val="accent1">
+                <a:shade val="50000"/>
+              </a:schemeClr>
+            </a:lnRef>
+            <a:fillRef idx="1">
+              <a:schemeClr val="accent1"/>
+            </a:fillRef>
+            <a:effectRef idx="0">
+              <a:schemeClr val="accent1"/>
+            </a:effectRef>
+            <a:fontRef idx="minor">
+              <a:schemeClr val="lt1"/>
+            </a:fontRef>
+          </p:style>
+          <p:txBody>
+            <a:bodyPr rtlCol="0" anchor="ctr"/>
+            <a:lstStyle/>
+            <a:p>
+              <a:pPr algn="ctr"/>
+              <a:endParaRPr lang="ko-KR" altLang="en-US">
+                <a:solidFill>
+                  <a:prstClr val="white"/>
+                </a:solidFill>
+              </a:endParaRPr>
+            </a:p>
+          </p:txBody>
+        </p:sp>
+        <p:sp>
+          <p:nvSpPr>
+            <p:cNvPr id="11" name="직각 삼각형 10">
+              <a:extLst>
+                <a:ext uri="{FF2B5EF4-FFF2-40B4-BE49-F238E27FC236}">
+                  <a16:creationId xmlns:a16="http://schemas.microsoft.com/office/drawing/2014/main" id="{A4CB350A-E6D0-4928-9917-C0668D0FD153}"/>
+                </a:ext>
+              </a:extLst>
+            </p:cNvPr>
+            <p:cNvSpPr/>
+            <p:nvPr/>
+          </p:nvSpPr>
+          <p:spPr>
+            <a:xfrm rot="5400000">
+              <a:off x="11055658" y="5721657"/>
+              <a:ext cx="1136342" cy="1136342"/>
+            </a:xfrm>
+            <a:prstGeom prst="rtTriangle">
+              <a:avLst/>
+            </a:prstGeom>
+            <a:solidFill>
+              <a:srgbClr val="00B0F0"/>
+            </a:solidFill>
+            <a:ln>
+              <a:noFill/>
+            </a:ln>
+          </p:spPr>
+          <p:style>
+            <a:lnRef idx="2">
+              <a:schemeClr val="accent1">
+                <a:shade val="50000"/>
+              </a:schemeClr>
+            </a:lnRef>
+            <a:fillRef idx="1">
+              <a:schemeClr val="accent1"/>
+            </a:fillRef>
+            <a:effectRef idx="0">
+              <a:schemeClr val="accent1"/>
+            </a:effectRef>
+            <a:fontRef idx="minor">
+              <a:schemeClr val="lt1"/>
+            </a:fontRef>
+          </p:style>
+          <p:txBody>
+            <a:bodyPr rtlCol="0" anchor="ctr"/>
+            <a:lstStyle/>
+            <a:p>
+              <a:pPr algn="ctr"/>
+              <a:endParaRPr lang="ko-KR" altLang="en-US">
+                <a:solidFill>
+                  <a:prstClr val="white"/>
+                </a:solidFill>
+              </a:endParaRPr>
+            </a:p>
+          </p:txBody>
+        </p:sp>
+      </p:grpSp>
+      <p:sp>
+        <p:nvSpPr>
+          <p:cNvPr id="13" name="직사각형 12">
+            <a:extLst>
+              <a:ext uri="{FF2B5EF4-FFF2-40B4-BE49-F238E27FC236}">
+                <a16:creationId xmlns:a16="http://schemas.microsoft.com/office/drawing/2014/main" id="{76D13D45-EA3E-4991-8645-2695CA44D676}"/>
+              </a:ext>
+            </a:extLst>
+          </p:cNvPr>
+          <p:cNvSpPr/>
+          <p:nvPr/>
+        </p:nvSpPr>
+        <p:spPr>
+          <a:xfrm>
+            <a:off x="952499" y="1492159"/>
+            <a:ext cx="9248514" cy="1441613"/>
+          </a:xfrm>
+          <a:prstGeom prst="rect">
+            <a:avLst/>
+          </a:prstGeom>
+        </p:spPr>
+        <p:txBody>
+          <a:bodyPr wrap="square">
+            <a:spAutoFit/>
+          </a:bodyPr>
+          <a:lstStyle/>
+          <a:p>
+            <a:pPr latinLnBrk="0">
+              <a:lnSpc>
+                <a:spcPct val="150000"/>
+              </a:lnSpc>
+              <a:defRPr/>
+            </a:pPr>
+            <a:r>
+              <a:rPr lang="en-US" altLang="ko-KR" sz="4800" b="1" i="1" kern="0" dirty="0">
+                <a:solidFill>
+                  <a:prstClr val="white"/>
+                </a:solidFill>
+              </a:rPr>
+              <a:t>Ajax</a:t>
+            </a:r>
+          </a:p>
+          <a:p>
+            <a:pPr latinLnBrk="0">
+              <a:lnSpc>
+                <a:spcPct val="150000"/>
+              </a:lnSpc>
+              <a:defRPr/>
+            </a:pPr>
+            <a:r>
+              <a:rPr lang="en-US" altLang="ko-KR" sz="1200" kern="0" dirty="0">
+                <a:solidFill>
+                  <a:prstClr val="white"/>
+                </a:solidFill>
+              </a:rPr>
+              <a:t>3</a:t>
+            </a:r>
+            <a:r>
+              <a:rPr lang="ko-KR" altLang="en-US" sz="1200" kern="0" dirty="0">
+                <a:solidFill>
+                  <a:prstClr val="white"/>
+                </a:solidFill>
+              </a:rPr>
+              <a:t>주차 신입교육 </a:t>
+            </a:r>
+            <a:r>
+              <a:rPr lang="en-US" altLang="ko-KR" sz="1200" kern="0" dirty="0">
+                <a:solidFill>
+                  <a:prstClr val="white"/>
+                </a:solidFill>
+              </a:rPr>
+              <a:t>- tcp/ip 4</a:t>
+            </a:r>
+            <a:r>
+              <a:rPr lang="ko-KR" altLang="en-US" sz="1200" kern="0" dirty="0">
+                <a:solidFill>
+                  <a:prstClr val="white"/>
+                </a:solidFill>
+              </a:rPr>
+              <a:t>계층과 </a:t>
+            </a:r>
+            <a:r>
+              <a:rPr lang="en-US" altLang="ko-KR" sz="1200" kern="0" dirty="0">
+                <a:solidFill>
+                  <a:prstClr val="white"/>
+                </a:solidFill>
+              </a:rPr>
+              <a:t>http </a:t>
+            </a:r>
+            <a:r>
+              <a:rPr lang="ko-KR" altLang="en-US" sz="1200" kern="0" dirty="0">
+                <a:solidFill>
+                  <a:prstClr val="white"/>
+                </a:solidFill>
+              </a:rPr>
+              <a:t>프로토콜 차이</a:t>
+            </a:r>
+            <a:r>
+              <a:rPr lang="en-US" altLang="ko-KR" sz="1200" kern="0" dirty="0">
+                <a:solidFill>
+                  <a:prstClr val="white"/>
+                </a:solidFill>
+              </a:rPr>
+              <a:t>, Ajax</a:t>
+            </a:r>
+            <a:r>
+              <a:rPr lang="ko-KR" altLang="en-US" sz="1200" kern="0" dirty="0">
+                <a:solidFill>
+                  <a:prstClr val="white"/>
+                </a:solidFill>
+              </a:rPr>
+              <a:t>란</a:t>
+            </a:r>
+            <a:endParaRPr lang="en-US" altLang="ko-KR" sz="1200" kern="0" dirty="0">
+              <a:solidFill>
+                <a:prstClr val="white"/>
+              </a:solidFill>
+            </a:endParaRPr>
+          </a:p>
+        </p:txBody>
+      </p:sp>
+      <p:cxnSp>
+        <p:nvCxnSpPr>
+          <p:cNvPr id="14" name="직선 연결선 13">
+            <a:extLst>
+              <a:ext uri="{FF2B5EF4-FFF2-40B4-BE49-F238E27FC236}">
+                <a16:creationId xmlns:a16="http://schemas.microsoft.com/office/drawing/2014/main" id="{D8BE145D-413F-4184-AC81-C778FF80F3BF}"/>
+              </a:ext>
+            </a:extLst>
+          </p:cNvPr>
+          <p:cNvCxnSpPr>
+            <a:cxnSpLocks/>
+          </p:cNvCxnSpPr>
+          <p:nvPr/>
+        </p:nvCxnSpPr>
+        <p:spPr>
+          <a:xfrm flipH="1">
+            <a:off x="1076325" y="3229847"/>
+            <a:ext cx="7200000" cy="0"/>
+          </a:xfrm>
+          <a:prstGeom prst="line">
+            <a:avLst/>
+          </a:prstGeom>
+          <a:ln w="12700">
+            <a:solidFill>
+              <a:srgbClr val="00B0F0"/>
+            </a:solidFill>
+          </a:ln>
+        </p:spPr>
+        <p:style>
+          <a:lnRef idx="1">
+            <a:schemeClr val="accent1"/>
+          </a:lnRef>
+          <a:fillRef idx="0">
+            <a:schemeClr val="accent1"/>
+          </a:fillRef>
+          <a:effectRef idx="0">
+            <a:schemeClr val="accent1"/>
+          </a:effectRef>
+          <a:fontRef idx="minor">
+            <a:schemeClr val="tx1"/>
+          </a:fontRef>
+        </p:style>
+      </p:cxnSp>
+      <p:sp>
+        <p:nvSpPr>
+          <p:cNvPr id="18" name="직사각형 17">
+            <a:extLst>
+              <a:ext uri="{FF2B5EF4-FFF2-40B4-BE49-F238E27FC236}">
+                <a16:creationId xmlns:a16="http://schemas.microsoft.com/office/drawing/2014/main" id="{359DE38C-490A-4F52-BD26-F8A2738CC26E}"/>
+              </a:ext>
+            </a:extLst>
+          </p:cNvPr>
+          <p:cNvSpPr/>
+          <p:nvPr/>
+        </p:nvSpPr>
+        <p:spPr>
+          <a:xfrm>
+            <a:off x="852285" y="5751256"/>
+            <a:ext cx="1129281" cy="373885"/>
+          </a:xfrm>
+          <a:prstGeom prst="rect">
+            <a:avLst/>
+          </a:prstGeom>
+        </p:spPr>
+        <p:txBody>
+          <a:bodyPr wrap="square">
+            <a:spAutoFit/>
+          </a:bodyPr>
+          <a:lstStyle/>
+          <a:p>
+            <a:pPr>
+              <a:lnSpc>
+                <a:spcPct val="150000"/>
+              </a:lnSpc>
+            </a:pPr>
+            <a:r>
+              <a:rPr lang="en-US" altLang="ko-KR" sz="1400" b="1" dirty="0">
+                <a:solidFill>
+                  <a:prstClr val="black">
+                    <a:lumMod val="65000"/>
+                    <a:lumOff val="35000"/>
+                  </a:prstClr>
+                </a:solidFill>
+              </a:rPr>
+              <a:t>Ajax</a:t>
+            </a:r>
+            <a:r>
+              <a:rPr lang="ko-KR" altLang="en-US" sz="1400" b="1" dirty="0">
+                <a:solidFill>
+                  <a:prstClr val="black">
+                    <a:lumMod val="65000"/>
+                    <a:lumOff val="35000"/>
+                  </a:prstClr>
+                </a:solidFill>
+              </a:rPr>
+              <a:t>란</a:t>
+            </a:r>
+            <a:endParaRPr lang="ko-KR" altLang="en-US" sz="1000" dirty="0">
+              <a:solidFill>
+                <a:prstClr val="black">
+                  <a:lumMod val="65000"/>
+                  <a:lumOff val="35000"/>
+                </a:prstClr>
+              </a:solidFill>
+            </a:endParaRPr>
+          </a:p>
+        </p:txBody>
+      </p:sp>
+      <p:sp>
+        <p:nvSpPr>
+          <p:cNvPr id="12" name="직사각형 11">
+            <a:extLst>
+              <a:ext uri="{FF2B5EF4-FFF2-40B4-BE49-F238E27FC236}">
+                <a16:creationId xmlns:a16="http://schemas.microsoft.com/office/drawing/2014/main" id="{50CCFA7E-50FE-4063-B168-343A0BC5BF6B}"/>
+              </a:ext>
+            </a:extLst>
+          </p:cNvPr>
+          <p:cNvSpPr/>
+          <p:nvPr/>
+        </p:nvSpPr>
+        <p:spPr>
+          <a:xfrm>
+            <a:off x="3243060" y="5751255"/>
+            <a:ext cx="1596907" cy="373885"/>
+          </a:xfrm>
+          <a:prstGeom prst="rect">
+            <a:avLst/>
+          </a:prstGeom>
+        </p:spPr>
+        <p:txBody>
+          <a:bodyPr wrap="square">
+            <a:spAutoFit/>
+          </a:bodyPr>
+          <a:lstStyle/>
+          <a:p>
+            <a:pPr>
+              <a:lnSpc>
+                <a:spcPct val="150000"/>
+              </a:lnSpc>
+            </a:pPr>
+            <a:r>
+              <a:rPr lang="ko-KR" altLang="en-US" sz="1400" b="1" dirty="0">
+                <a:solidFill>
+                  <a:prstClr val="black">
+                    <a:lumMod val="65000"/>
+                    <a:lumOff val="35000"/>
+                  </a:prstClr>
+                </a:solidFill>
+              </a:rPr>
+              <a:t>동기 </a:t>
+            </a:r>
+            <a:r>
+              <a:rPr lang="en-US" altLang="ko-KR" sz="1400" b="1" dirty="0">
+                <a:solidFill>
+                  <a:prstClr val="black">
+                    <a:lumMod val="65000"/>
+                    <a:lumOff val="35000"/>
+                  </a:prstClr>
+                </a:solidFill>
+              </a:rPr>
+              <a:t>/ </a:t>
+            </a:r>
+            <a:r>
+              <a:rPr lang="ko-KR" altLang="en-US" sz="1400" b="1" dirty="0">
+                <a:solidFill>
+                  <a:prstClr val="black">
+                    <a:lumMod val="65000"/>
+                    <a:lumOff val="35000"/>
+                  </a:prstClr>
+                </a:solidFill>
+              </a:rPr>
+              <a:t>비동기</a:t>
+            </a:r>
+            <a:endParaRPr lang="ko-KR" altLang="en-US" sz="1000" dirty="0">
+              <a:solidFill>
+                <a:prstClr val="black">
+                  <a:lumMod val="65000"/>
+                  <a:lumOff val="35000"/>
+                </a:prstClr>
+              </a:solidFill>
+            </a:endParaRPr>
+          </a:p>
+        </p:txBody>
+      </p:sp>
+      <p:sp>
+        <p:nvSpPr>
+          <p:cNvPr id="21" name="직사각형 20">
+            <a:extLst>
+              <a:ext uri="{FF2B5EF4-FFF2-40B4-BE49-F238E27FC236}">
+                <a16:creationId xmlns:a16="http://schemas.microsoft.com/office/drawing/2014/main" id="{0D1570DD-899E-4C7E-8B75-446AE53ABB9A}"/>
+              </a:ext>
+            </a:extLst>
+          </p:cNvPr>
+          <p:cNvSpPr/>
+          <p:nvPr/>
+        </p:nvSpPr>
+        <p:spPr>
+          <a:xfrm>
+            <a:off x="6096000" y="5751255"/>
+            <a:ext cx="1987027" cy="373885"/>
+          </a:xfrm>
+          <a:prstGeom prst="rect">
+            <a:avLst/>
+          </a:prstGeom>
+        </p:spPr>
+        <p:txBody>
+          <a:bodyPr wrap="square">
+            <a:spAutoFit/>
+          </a:bodyPr>
+          <a:lstStyle/>
+          <a:p>
+            <a:pPr>
+              <a:lnSpc>
+                <a:spcPct val="150000"/>
+              </a:lnSpc>
+            </a:pPr>
+            <a:r>
+              <a:rPr lang="en-US" altLang="ko-KR" sz="1400" b="1" dirty="0">
+                <a:solidFill>
+                  <a:prstClr val="black">
+                    <a:lumMod val="65000"/>
+                    <a:lumOff val="35000"/>
+                  </a:prstClr>
+                </a:solidFill>
+              </a:rPr>
+              <a:t>Ajax</a:t>
+            </a:r>
+            <a:r>
+              <a:rPr lang="ko-KR" altLang="en-US" sz="1400" b="1" dirty="0">
+                <a:solidFill>
+                  <a:prstClr val="black">
+                    <a:lumMod val="65000"/>
+                    <a:lumOff val="35000"/>
+                  </a:prstClr>
+                </a:solidFill>
+              </a:rPr>
+              <a:t>의 장점과 단점</a:t>
+            </a:r>
+            <a:endParaRPr lang="ko-KR" altLang="en-US" sz="1000" dirty="0">
+              <a:solidFill>
+                <a:prstClr val="black">
+                  <a:lumMod val="65000"/>
+                  <a:lumOff val="35000"/>
+                </a:prstClr>
+              </a:solidFill>
+            </a:endParaRPr>
+          </a:p>
+        </p:txBody>
+      </p:sp>
+    </p:spTree>
+    <p:extLst>
+      <p:ext uri="{BB962C8B-B14F-4D97-AF65-F5344CB8AC3E}">
+        <p14:creationId xmlns:p14="http://schemas.microsoft.com/office/powerpoint/2010/main" val="577780326"/>
+      </p:ext>
+    </p:extLst>
+  </p:cSld>
+  <p:clrMapOvr>
+    <a:masterClrMapping/>
+  </p:clrMapOvr>
+</p:sld>
+</file>
+
+<file path=ppt/slides/slide9.xml><?xml version="1.0" encoding="utf-8"?>
 <p:sld xmlns:a="http://schemas.openxmlformats.org/drawingml/2006/main" xmlns:r="http://schemas.openxmlformats.org/officeDocument/2006/relationships" xmlns:p="http://schemas.openxmlformats.org/presentationml/2006/main">
   <p:cSld>
     <p:spTree>
@@ -19098,11 +20882,78 @@
               </a:rPr>
               <a:t>자바스크립트</a:t>
             </a:r>
-            <a:endParaRPr lang="en-US" altLang="ko-KR" sz="1050" b="1" dirty="0">
-              <a:solidFill>
-                <a:srgbClr val="78808D"/>
-              </a:solidFill>
-            </a:endParaRPr>
+            <a:r>
+              <a:rPr lang="en-US" altLang="ko-KR" sz="1050" dirty="0">
+                <a:solidFill>
+                  <a:srgbClr val="78808D"/>
+                </a:solidFill>
+              </a:rPr>
+              <a:t>(</a:t>
+            </a:r>
+            <a:r>
+              <a:rPr lang="ko-KR" altLang="en-US" sz="1050" dirty="0">
+                <a:solidFill>
+                  <a:srgbClr val="78808D"/>
+                </a:solidFill>
+              </a:rPr>
+              <a:t>웹 페이지의 특정 부분을 클릭하거나 입력했을 때</a:t>
+            </a:r>
+            <a:r>
+              <a:rPr lang="en-US" altLang="ko-KR" sz="1050" dirty="0">
+                <a:solidFill>
+                  <a:srgbClr val="78808D"/>
+                </a:solidFill>
+              </a:rPr>
+              <a:t>, </a:t>
+            </a:r>
+            <a:r>
+              <a:rPr lang="ko-KR" altLang="en-US" sz="1050" dirty="0">
+                <a:solidFill>
+                  <a:srgbClr val="78808D"/>
+                </a:solidFill>
+              </a:rPr>
+              <a:t>팝업 창 띄우기</a:t>
+            </a:r>
+            <a:r>
+              <a:rPr lang="en-US" altLang="ko-KR" sz="1050" dirty="0">
+                <a:solidFill>
+                  <a:srgbClr val="78808D"/>
+                </a:solidFill>
+              </a:rPr>
+              <a:t>, </a:t>
+            </a:r>
+            <a:r>
+              <a:rPr lang="ko-KR" altLang="en-US" sz="1050" dirty="0">
+                <a:solidFill>
+                  <a:srgbClr val="78808D"/>
+                </a:solidFill>
+              </a:rPr>
+              <a:t>애니메이션 효과</a:t>
+            </a:r>
+            <a:r>
+              <a:rPr lang="en-US" altLang="ko-KR" sz="1050" dirty="0">
+                <a:solidFill>
+                  <a:srgbClr val="78808D"/>
+                </a:solidFill>
+              </a:rPr>
+              <a:t>, </a:t>
+            </a:r>
+            <a:r>
+              <a:rPr lang="ko-KR" altLang="en-US" sz="1050" dirty="0">
+                <a:solidFill>
+                  <a:srgbClr val="78808D"/>
+                </a:solidFill>
+              </a:rPr>
+              <a:t>통신 등의 다양한 기능들을 추가할 수 있는 스크립트 언어</a:t>
+            </a:r>
+            <a:r>
+              <a:rPr lang="en-US" altLang="ko-KR" sz="1050" dirty="0">
+                <a:solidFill>
+                  <a:srgbClr val="78808D"/>
+                </a:solidFill>
+              </a:rPr>
+              <a:t>)</a:t>
+            </a:r>
           </a:p>
         </p:txBody>
       </p:sp>
@@ -19220,929 +21071,6 @@
     <p:extLst>
       <p:ext uri="{BB962C8B-B14F-4D97-AF65-F5344CB8AC3E}">
         <p14:creationId xmlns:p14="http://schemas.microsoft.com/office/powerpoint/2010/main" val="2353219336"/>
-      </p:ext>
-    </p:extLst>
-  </p:cSld>
-  <p:clrMapOvr>
-    <a:masterClrMapping/>
-  </p:clrMapOvr>
-</p:sld>
-</file>
-
-<file path=ppt/slides/slide9.xml><?xml version="1.0" encoding="utf-8"?>
-<p:sld xmlns:a="http://schemas.openxmlformats.org/drawingml/2006/main" xmlns:r="http://schemas.openxmlformats.org/officeDocument/2006/relationships" xmlns:p="http://schemas.openxmlformats.org/presentationml/2006/main">
-  <p:cSld>
-    <p:spTree>
-      <p:nvGrpSpPr>
-        <p:cNvPr id="1" name=""/>
-        <p:cNvGrpSpPr/>
-        <p:nvPr/>
-      </p:nvGrpSpPr>
-      <p:grpSpPr>
-        <a:xfrm>
-          <a:off x="0" y="0"/>
-          <a:ext cx="0" cy="0"/>
-          <a:chOff x="0" y="0"/>
-          <a:chExt cx="0" cy="0"/>
-        </a:xfrm>
-      </p:grpSpPr>
-      <p:sp>
-        <p:nvSpPr>
-          <p:cNvPr id="12" name="사각형: 잘린 대각선 방향 모서리 11">
-            <a:extLst>
-              <a:ext uri="{FF2B5EF4-FFF2-40B4-BE49-F238E27FC236}">
-                <a16:creationId xmlns:a16="http://schemas.microsoft.com/office/drawing/2014/main" id="{E785BA1E-6CAA-4578-BD5D-D0A9DAD338DF}"/>
-              </a:ext>
-            </a:extLst>
-          </p:cNvPr>
-          <p:cNvSpPr/>
-          <p:nvPr/>
-        </p:nvSpPr>
-        <p:spPr>
-          <a:xfrm>
-            <a:off x="6761527" y="1556976"/>
-            <a:ext cx="5019413" cy="4679740"/>
-          </a:xfrm>
-          <a:prstGeom prst="snip2DiagRect">
-            <a:avLst>
-              <a:gd name="adj1" fmla="val 0"/>
-              <a:gd name="adj2" fmla="val 13442"/>
-            </a:avLst>
-          </a:prstGeom>
-          <a:solidFill>
-            <a:schemeClr val="bg1"/>
-          </a:solidFill>
-          <a:ln w="19050">
-            <a:solidFill>
-              <a:srgbClr val="214867"/>
-            </a:solidFill>
-          </a:ln>
-        </p:spPr>
-        <p:style>
-          <a:lnRef idx="2">
-            <a:schemeClr val="accent1">
-              <a:shade val="50000"/>
-            </a:schemeClr>
-          </a:lnRef>
-          <a:fillRef idx="1">
-            <a:schemeClr val="accent1"/>
-          </a:fillRef>
-          <a:effectRef idx="0">
-            <a:schemeClr val="accent1"/>
-          </a:effectRef>
-          <a:fontRef idx="minor">
-            <a:schemeClr val="lt1"/>
-          </a:fontRef>
-        </p:style>
-        <p:txBody>
-          <a:bodyPr rtlCol="0" anchor="ctr"/>
-          <a:lstStyle/>
-          <a:p>
-            <a:pPr algn="ctr"/>
-            <a:endParaRPr lang="ko-KR" altLang="en-US">
-              <a:solidFill>
-                <a:prstClr val="white"/>
-              </a:solidFill>
-            </a:endParaRPr>
-          </a:p>
-        </p:txBody>
-      </p:sp>
-      <p:sp>
-        <p:nvSpPr>
-          <p:cNvPr id="14" name="직사각형 13">
-            <a:extLst>
-              <a:ext uri="{FF2B5EF4-FFF2-40B4-BE49-F238E27FC236}">
-                <a16:creationId xmlns:a16="http://schemas.microsoft.com/office/drawing/2014/main" id="{06C33F71-FFC7-4C90-8A7A-F04FBE1B9F8D}"/>
-              </a:ext>
-            </a:extLst>
-          </p:cNvPr>
-          <p:cNvSpPr/>
-          <p:nvPr/>
-        </p:nvSpPr>
-        <p:spPr>
-          <a:xfrm>
-            <a:off x="0" y="-3"/>
-            <a:ext cx="12192000" cy="1081193"/>
-          </a:xfrm>
-          <a:prstGeom prst="rect">
-            <a:avLst/>
-          </a:prstGeom>
-          <a:solidFill>
-            <a:srgbClr val="214867"/>
-          </a:solidFill>
-          <a:ln>
-            <a:noFill/>
-          </a:ln>
-        </p:spPr>
-        <p:style>
-          <a:lnRef idx="2">
-            <a:schemeClr val="accent1">
-              <a:shade val="50000"/>
-            </a:schemeClr>
-          </a:lnRef>
-          <a:fillRef idx="1">
-            <a:schemeClr val="accent1"/>
-          </a:fillRef>
-          <a:effectRef idx="0">
-            <a:schemeClr val="accent1"/>
-          </a:effectRef>
-          <a:fontRef idx="minor">
-            <a:schemeClr val="lt1"/>
-          </a:fontRef>
-        </p:style>
-        <p:txBody>
-          <a:bodyPr rtlCol="0" anchor="t"/>
-          <a:lstStyle/>
-          <a:p>
-            <a:pPr algn="ctr" latinLnBrk="0">
-              <a:lnSpc>
-                <a:spcPct val="150000"/>
-              </a:lnSpc>
-              <a:defRPr/>
-            </a:pPr>
-            <a:r>
-              <a:rPr lang="en-US" altLang="ko-KR" sz="3200" b="1" i="1" kern="0" dirty="0">
-                <a:solidFill>
-                  <a:prstClr val="white"/>
-                </a:solidFill>
-              </a:rPr>
-              <a:t>Ajax </a:t>
-            </a:r>
-            <a:r>
-              <a:rPr lang="ko-KR" altLang="en-US" sz="3200" b="1" i="1" kern="0" dirty="0">
-                <a:solidFill>
-                  <a:prstClr val="white"/>
-                </a:solidFill>
-              </a:rPr>
-              <a:t>란</a:t>
-            </a:r>
-            <a:r>
-              <a:rPr lang="en-US" altLang="ko-KR" sz="3200" b="1" i="1" kern="0" dirty="0">
-                <a:solidFill>
-                  <a:prstClr val="white"/>
-                </a:solidFill>
-              </a:rPr>
-              <a:t> </a:t>
-            </a:r>
-          </a:p>
-          <a:p>
-            <a:pPr algn="ctr" latinLnBrk="0">
-              <a:defRPr/>
-            </a:pPr>
-            <a:r>
-              <a:rPr lang="en-US" altLang="ko-KR" sz="900" kern="0" dirty="0">
-                <a:solidFill>
-                  <a:prstClr val="white"/>
-                </a:solidFill>
-              </a:rPr>
-              <a:t>Asynchronous</a:t>
-            </a:r>
-            <a:r>
-              <a:rPr lang="ko-KR" altLang="en-US" sz="900" kern="0" dirty="0">
-                <a:solidFill>
-                  <a:prstClr val="white"/>
-                </a:solidFill>
-              </a:rPr>
-              <a:t> </a:t>
-            </a:r>
-            <a:r>
-              <a:rPr lang="en-US" altLang="ko-KR" sz="900" kern="0" dirty="0">
-                <a:solidFill>
-                  <a:prstClr val="white"/>
-                </a:solidFill>
-              </a:rPr>
-              <a:t>JavaScript</a:t>
-            </a:r>
-            <a:r>
-              <a:rPr lang="ko-KR" altLang="en-US" sz="900" kern="0" dirty="0">
-                <a:solidFill>
-                  <a:prstClr val="white"/>
-                </a:solidFill>
-              </a:rPr>
-              <a:t> </a:t>
-            </a:r>
-            <a:r>
-              <a:rPr lang="en-US" altLang="ko-KR" sz="900" kern="0" dirty="0">
-                <a:solidFill>
-                  <a:prstClr val="white"/>
-                </a:solidFill>
-              </a:rPr>
-              <a:t>and</a:t>
-            </a:r>
-            <a:r>
-              <a:rPr lang="ko-KR" altLang="en-US" sz="900" kern="0" dirty="0">
-                <a:solidFill>
-                  <a:prstClr val="white"/>
-                </a:solidFill>
-              </a:rPr>
-              <a:t> </a:t>
-            </a:r>
-            <a:r>
-              <a:rPr lang="en-US" altLang="ko-KR" sz="900" kern="0" dirty="0">
-                <a:solidFill>
-                  <a:prstClr val="white"/>
-                </a:solidFill>
-              </a:rPr>
-              <a:t>Xml</a:t>
-            </a:r>
-          </a:p>
-        </p:txBody>
-      </p:sp>
-      <p:grpSp>
-        <p:nvGrpSpPr>
-          <p:cNvPr id="15" name="그룹 14">
-            <a:extLst>
-              <a:ext uri="{FF2B5EF4-FFF2-40B4-BE49-F238E27FC236}">
-                <a16:creationId xmlns:a16="http://schemas.microsoft.com/office/drawing/2014/main" id="{01B88480-A456-4CDB-9ECA-BAC3ADFE90DA}"/>
-              </a:ext>
-            </a:extLst>
-          </p:cNvPr>
-          <p:cNvGrpSpPr/>
-          <p:nvPr/>
-        </p:nvGrpSpPr>
-        <p:grpSpPr>
-          <a:xfrm>
-            <a:off x="10027920" y="-3"/>
-            <a:ext cx="2164081" cy="1082041"/>
-            <a:chOff x="9919316" y="4585314"/>
-            <a:chExt cx="2272685" cy="1136343"/>
-          </a:xfrm>
-        </p:grpSpPr>
-        <p:sp>
-          <p:nvSpPr>
-            <p:cNvPr id="16" name="직각 삼각형 15">
-              <a:extLst>
-                <a:ext uri="{FF2B5EF4-FFF2-40B4-BE49-F238E27FC236}">
-                  <a16:creationId xmlns:a16="http://schemas.microsoft.com/office/drawing/2014/main" id="{55D11947-7A5F-49A1-B4CE-9BD12303E946}"/>
-                </a:ext>
-              </a:extLst>
-            </p:cNvPr>
-            <p:cNvSpPr/>
-            <p:nvPr/>
-          </p:nvSpPr>
-          <p:spPr>
-            <a:xfrm rot="5400000">
-              <a:off x="11055659" y="4585314"/>
-              <a:ext cx="1136342" cy="1136342"/>
-            </a:xfrm>
-            <a:prstGeom prst="rtTriangle">
-              <a:avLst/>
-            </a:prstGeom>
-            <a:solidFill>
-              <a:schemeClr val="bg1"/>
-            </a:solidFill>
-            <a:ln>
-              <a:noFill/>
-            </a:ln>
-          </p:spPr>
-          <p:style>
-            <a:lnRef idx="2">
-              <a:schemeClr val="accent1">
-                <a:shade val="50000"/>
-              </a:schemeClr>
-            </a:lnRef>
-            <a:fillRef idx="1">
-              <a:schemeClr val="accent1"/>
-            </a:fillRef>
-            <a:effectRef idx="0">
-              <a:schemeClr val="accent1"/>
-            </a:effectRef>
-            <a:fontRef idx="minor">
-              <a:schemeClr val="lt1"/>
-            </a:fontRef>
-          </p:style>
-          <p:txBody>
-            <a:bodyPr rtlCol="0" anchor="ctr"/>
-            <a:lstStyle/>
-            <a:p>
-              <a:pPr algn="ctr"/>
-              <a:endParaRPr lang="ko-KR" altLang="en-US">
-                <a:solidFill>
-                  <a:prstClr val="white"/>
-                </a:solidFill>
-              </a:endParaRPr>
-            </a:p>
-          </p:txBody>
-        </p:sp>
-        <p:sp>
-          <p:nvSpPr>
-            <p:cNvPr id="17" name="직각 삼각형 16">
-              <a:extLst>
-                <a:ext uri="{FF2B5EF4-FFF2-40B4-BE49-F238E27FC236}">
-                  <a16:creationId xmlns:a16="http://schemas.microsoft.com/office/drawing/2014/main" id="{7F68E216-A0B8-43CF-8570-8BF98D9FC025}"/>
-                </a:ext>
-              </a:extLst>
-            </p:cNvPr>
-            <p:cNvSpPr/>
-            <p:nvPr/>
-          </p:nvSpPr>
-          <p:spPr>
-            <a:xfrm rot="16200000">
-              <a:off x="9919316" y="4585315"/>
-              <a:ext cx="1136342" cy="1136342"/>
-            </a:xfrm>
-            <a:prstGeom prst="rtTriangle">
-              <a:avLst/>
-            </a:prstGeom>
-            <a:solidFill>
-              <a:srgbClr val="00B0F0"/>
-            </a:solidFill>
-            <a:ln>
-              <a:noFill/>
-            </a:ln>
-          </p:spPr>
-          <p:style>
-            <a:lnRef idx="2">
-              <a:schemeClr val="accent1">
-                <a:shade val="50000"/>
-              </a:schemeClr>
-            </a:lnRef>
-            <a:fillRef idx="1">
-              <a:schemeClr val="accent1"/>
-            </a:fillRef>
-            <a:effectRef idx="0">
-              <a:schemeClr val="accent1"/>
-            </a:effectRef>
-            <a:fontRef idx="minor">
-              <a:schemeClr val="lt1"/>
-            </a:fontRef>
-          </p:style>
-          <p:txBody>
-            <a:bodyPr rtlCol="0" anchor="ctr"/>
-            <a:lstStyle/>
-            <a:p>
-              <a:pPr algn="ctr"/>
-              <a:endParaRPr lang="ko-KR" altLang="en-US">
-                <a:solidFill>
-                  <a:prstClr val="white"/>
-                </a:solidFill>
-              </a:endParaRPr>
-            </a:p>
-          </p:txBody>
-        </p:sp>
-      </p:grpSp>
-      <p:sp>
-        <p:nvSpPr>
-          <p:cNvPr id="2" name="사각형: 잘린 대각선 방향 모서리 1">
-            <a:extLst>
-              <a:ext uri="{FF2B5EF4-FFF2-40B4-BE49-F238E27FC236}">
-                <a16:creationId xmlns:a16="http://schemas.microsoft.com/office/drawing/2014/main" id="{C262272E-A083-482D-AAA4-84DB7FAAD480}"/>
-              </a:ext>
-            </a:extLst>
-          </p:cNvPr>
-          <p:cNvSpPr/>
-          <p:nvPr/>
-        </p:nvSpPr>
-        <p:spPr>
-          <a:xfrm>
-            <a:off x="410766" y="1556976"/>
-            <a:ext cx="6057146" cy="4679740"/>
-          </a:xfrm>
-          <a:prstGeom prst="snip2DiagRect">
-            <a:avLst>
-              <a:gd name="adj1" fmla="val 0"/>
-              <a:gd name="adj2" fmla="val 13442"/>
-            </a:avLst>
-          </a:prstGeom>
-          <a:solidFill>
-            <a:schemeClr val="bg1"/>
-          </a:solidFill>
-          <a:ln w="19050">
-            <a:solidFill>
-              <a:srgbClr val="214867"/>
-            </a:solidFill>
-          </a:ln>
-        </p:spPr>
-        <p:style>
-          <a:lnRef idx="2">
-            <a:schemeClr val="accent1">
-              <a:shade val="50000"/>
-            </a:schemeClr>
-          </a:lnRef>
-          <a:fillRef idx="1">
-            <a:schemeClr val="accent1"/>
-          </a:fillRef>
-          <a:effectRef idx="0">
-            <a:schemeClr val="accent1"/>
-          </a:effectRef>
-          <a:fontRef idx="minor">
-            <a:schemeClr val="lt1"/>
-          </a:fontRef>
-        </p:style>
-        <p:txBody>
-          <a:bodyPr rtlCol="0" anchor="ctr"/>
-          <a:lstStyle/>
-          <a:p>
-            <a:pPr algn="ctr"/>
-            <a:endParaRPr lang="ko-KR" altLang="en-US">
-              <a:solidFill>
-                <a:prstClr val="white"/>
-              </a:solidFill>
-            </a:endParaRPr>
-          </a:p>
-        </p:txBody>
-      </p:sp>
-      <p:sp>
-        <p:nvSpPr>
-          <p:cNvPr id="4" name="직각 삼각형 3">
-            <a:extLst>
-              <a:ext uri="{FF2B5EF4-FFF2-40B4-BE49-F238E27FC236}">
-                <a16:creationId xmlns:a16="http://schemas.microsoft.com/office/drawing/2014/main" id="{8A08EF92-D381-4F2F-99D7-D58A7A8699D6}"/>
-              </a:ext>
-            </a:extLst>
-          </p:cNvPr>
-          <p:cNvSpPr/>
-          <p:nvPr/>
-        </p:nvSpPr>
-        <p:spPr>
-          <a:xfrm rot="10800000">
-            <a:off x="5821960" y="1556976"/>
-            <a:ext cx="645952" cy="817108"/>
-          </a:xfrm>
-          <a:prstGeom prst="rtTriangle">
-            <a:avLst/>
-          </a:prstGeom>
-          <a:solidFill>
-            <a:srgbClr val="00B0F0"/>
-          </a:solidFill>
-          <a:ln w="19050">
-            <a:solidFill>
-              <a:srgbClr val="214867"/>
-            </a:solidFill>
-          </a:ln>
-        </p:spPr>
-        <p:style>
-          <a:lnRef idx="2">
-            <a:schemeClr val="accent1">
-              <a:shade val="50000"/>
-            </a:schemeClr>
-          </a:lnRef>
-          <a:fillRef idx="1">
-            <a:schemeClr val="accent1"/>
-          </a:fillRef>
-          <a:effectRef idx="0">
-            <a:schemeClr val="accent1"/>
-          </a:effectRef>
-          <a:fontRef idx="minor">
-            <a:schemeClr val="lt1"/>
-          </a:fontRef>
-        </p:style>
-        <p:txBody>
-          <a:bodyPr rtlCol="0" anchor="ctr"/>
-          <a:lstStyle/>
-          <a:p>
-            <a:pPr algn="ctr"/>
-            <a:endParaRPr lang="ko-KR" altLang="en-US">
-              <a:solidFill>
-                <a:prstClr val="white"/>
-              </a:solidFill>
-            </a:endParaRPr>
-          </a:p>
-        </p:txBody>
-      </p:sp>
-      <p:sp>
-        <p:nvSpPr>
-          <p:cNvPr id="5" name="직각 삼각형 4">
-            <a:extLst>
-              <a:ext uri="{FF2B5EF4-FFF2-40B4-BE49-F238E27FC236}">
-                <a16:creationId xmlns:a16="http://schemas.microsoft.com/office/drawing/2014/main" id="{DFDB318C-74DC-45F7-8C78-5BEE74037100}"/>
-              </a:ext>
-            </a:extLst>
-          </p:cNvPr>
-          <p:cNvSpPr/>
-          <p:nvPr/>
-        </p:nvSpPr>
-        <p:spPr>
-          <a:xfrm>
-            <a:off x="411060" y="5419608"/>
-            <a:ext cx="645952" cy="817108"/>
-          </a:xfrm>
-          <a:prstGeom prst="rtTriangle">
-            <a:avLst/>
-          </a:prstGeom>
-          <a:solidFill>
-            <a:srgbClr val="00B0F0"/>
-          </a:solidFill>
-          <a:ln w="19050">
-            <a:solidFill>
-              <a:srgbClr val="214867"/>
-            </a:solidFill>
-          </a:ln>
-        </p:spPr>
-        <p:style>
-          <a:lnRef idx="2">
-            <a:schemeClr val="accent1">
-              <a:shade val="50000"/>
-            </a:schemeClr>
-          </a:lnRef>
-          <a:fillRef idx="1">
-            <a:schemeClr val="accent1"/>
-          </a:fillRef>
-          <a:effectRef idx="0">
-            <a:schemeClr val="accent1"/>
-          </a:effectRef>
-          <a:fontRef idx="minor">
-            <a:schemeClr val="lt1"/>
-          </a:fontRef>
-        </p:style>
-        <p:txBody>
-          <a:bodyPr rtlCol="0" anchor="ctr"/>
-          <a:lstStyle/>
-          <a:p>
-            <a:pPr algn="ctr"/>
-            <a:endParaRPr lang="ko-KR" altLang="en-US">
-              <a:solidFill>
-                <a:prstClr val="white"/>
-              </a:solidFill>
-            </a:endParaRPr>
-          </a:p>
-        </p:txBody>
-      </p:sp>
-      <p:sp>
-        <p:nvSpPr>
-          <p:cNvPr id="6" name="직사각형 5">
-            <a:extLst>
-              <a:ext uri="{FF2B5EF4-FFF2-40B4-BE49-F238E27FC236}">
-                <a16:creationId xmlns:a16="http://schemas.microsoft.com/office/drawing/2014/main" id="{97FE9B2E-01A3-4F72-84C0-D6686CD3997B}"/>
-              </a:ext>
-            </a:extLst>
-          </p:cNvPr>
-          <p:cNvSpPr/>
-          <p:nvPr/>
-        </p:nvSpPr>
-        <p:spPr>
-          <a:xfrm>
-            <a:off x="931179" y="1745069"/>
-            <a:ext cx="5301842" cy="4303553"/>
-          </a:xfrm>
-          <a:prstGeom prst="rect">
-            <a:avLst/>
-          </a:prstGeom>
-          <a:noFill/>
-          <a:ln>
-            <a:noFill/>
-          </a:ln>
-        </p:spPr>
-        <p:style>
-          <a:lnRef idx="2">
-            <a:schemeClr val="accent1">
-              <a:shade val="50000"/>
-            </a:schemeClr>
-          </a:lnRef>
-          <a:fillRef idx="1">
-            <a:schemeClr val="accent1"/>
-          </a:fillRef>
-          <a:effectRef idx="0">
-            <a:schemeClr val="accent1"/>
-          </a:effectRef>
-          <a:fontRef idx="minor">
-            <a:schemeClr val="lt1"/>
-          </a:fontRef>
-        </p:style>
-        <p:txBody>
-          <a:bodyPr rtlCol="0" anchor="ctr"/>
-          <a:lstStyle/>
-          <a:p>
-            <a:pPr>
-              <a:lnSpc>
-                <a:spcPct val="150000"/>
-              </a:lnSpc>
-            </a:pPr>
-            <a:r>
-              <a:rPr lang="ko-KR" altLang="en-US" sz="2000" b="1" dirty="0">
-                <a:solidFill>
-                  <a:srgbClr val="00B0F0"/>
-                </a:solidFill>
-              </a:rPr>
-              <a:t>동기</a:t>
-            </a:r>
-            <a:r>
-              <a:rPr lang="en-US" altLang="ko-KR" sz="1600" b="1" dirty="0">
-                <a:solidFill>
-                  <a:srgbClr val="00B0F0"/>
-                </a:solidFill>
-              </a:rPr>
-              <a:t>(synchronous)</a:t>
-            </a:r>
-            <a:r>
-              <a:rPr lang="en-US" altLang="ko-KR" sz="2500" b="1" dirty="0">
-                <a:solidFill>
-                  <a:srgbClr val="00B0F0"/>
-                </a:solidFill>
-              </a:rPr>
-              <a:t> </a:t>
-            </a:r>
-          </a:p>
-          <a:p>
-            <a:pPr>
-              <a:lnSpc>
-                <a:spcPct val="150000"/>
-              </a:lnSpc>
-            </a:pPr>
-            <a:r>
-              <a:rPr lang="ko-KR" altLang="en-US" sz="1300" dirty="0">
-                <a:solidFill>
-                  <a:srgbClr val="78808D"/>
-                </a:solidFill>
-              </a:rPr>
-              <a:t>직렬적으로 태스크</a:t>
-            </a:r>
-            <a:r>
-              <a:rPr lang="en-US" altLang="ko-KR" sz="1300" dirty="0">
-                <a:solidFill>
-                  <a:srgbClr val="78808D"/>
-                </a:solidFill>
-              </a:rPr>
-              <a:t>(task)</a:t>
-            </a:r>
-            <a:r>
-              <a:rPr lang="ko-KR" altLang="en-US" sz="1300" dirty="0">
-                <a:solidFill>
-                  <a:srgbClr val="78808D"/>
-                </a:solidFill>
-              </a:rPr>
-              <a:t>를 수행한다</a:t>
-            </a:r>
-            <a:r>
-              <a:rPr lang="en-US" altLang="ko-KR" sz="1300" dirty="0">
-                <a:solidFill>
-                  <a:srgbClr val="78808D"/>
-                </a:solidFill>
-              </a:rPr>
-              <a:t>. </a:t>
-            </a:r>
-            <a:r>
-              <a:rPr lang="ko-KR" altLang="en-US" sz="1300" dirty="0">
-                <a:solidFill>
-                  <a:srgbClr val="78808D"/>
-                </a:solidFill>
-              </a:rPr>
-              <a:t> </a:t>
-            </a:r>
-            <a:r>
-              <a:rPr lang="ko-KR" altLang="en-US" sz="1300" b="1" dirty="0">
-                <a:solidFill>
-                  <a:srgbClr val="78808D"/>
-                </a:solidFill>
-              </a:rPr>
-              <a:t>작업이</a:t>
-            </a:r>
-            <a:r>
-              <a:rPr lang="ko-KR" altLang="en-US" sz="1300" dirty="0">
-                <a:solidFill>
-                  <a:srgbClr val="78808D"/>
-                </a:solidFill>
-              </a:rPr>
-              <a:t> </a:t>
-            </a:r>
-            <a:r>
-              <a:rPr lang="ko-KR" altLang="en-US" sz="1300" b="1" dirty="0">
-                <a:solidFill>
-                  <a:srgbClr val="78808D"/>
-                </a:solidFill>
-              </a:rPr>
-              <a:t>순차적으로 실행</a:t>
-            </a:r>
-            <a:r>
-              <a:rPr lang="ko-KR" altLang="en-US" sz="1300" dirty="0">
-                <a:solidFill>
-                  <a:srgbClr val="78808D"/>
-                </a:solidFill>
-              </a:rPr>
-              <a:t>되며 어떤 작업이 수행 중이면 다음 작업은 대기하게 된다</a:t>
-            </a:r>
-            <a:r>
-              <a:rPr lang="en-US" altLang="ko-KR" sz="1300" dirty="0">
-                <a:solidFill>
-                  <a:srgbClr val="78808D"/>
-                </a:solidFill>
-              </a:rPr>
-              <a:t>.</a:t>
-            </a:r>
-          </a:p>
-          <a:p>
-            <a:pPr>
-              <a:lnSpc>
-                <a:spcPct val="150000"/>
-              </a:lnSpc>
-            </a:pPr>
-            <a:endParaRPr lang="en-US" altLang="ko-KR" sz="1200" dirty="0">
-              <a:solidFill>
-                <a:srgbClr val="78808D"/>
-              </a:solidFill>
-            </a:endParaRPr>
-          </a:p>
-          <a:p>
-            <a:pPr>
-              <a:lnSpc>
-                <a:spcPct val="150000"/>
-              </a:lnSpc>
-            </a:pPr>
-            <a:endParaRPr lang="en-US" altLang="ko-KR" sz="1200" dirty="0">
-              <a:solidFill>
-                <a:srgbClr val="78808D"/>
-              </a:solidFill>
-            </a:endParaRPr>
-          </a:p>
-          <a:p>
-            <a:pPr>
-              <a:lnSpc>
-                <a:spcPct val="150000"/>
-              </a:lnSpc>
-            </a:pPr>
-            <a:endParaRPr lang="en-US" altLang="ko-KR" sz="1200" dirty="0">
-              <a:solidFill>
-                <a:srgbClr val="78808D"/>
-              </a:solidFill>
-            </a:endParaRPr>
-          </a:p>
-          <a:p>
-            <a:pPr>
-              <a:lnSpc>
-                <a:spcPct val="150000"/>
-              </a:lnSpc>
-            </a:pPr>
-            <a:endParaRPr lang="en-US" altLang="ko-KR" sz="1200" dirty="0">
-              <a:solidFill>
-                <a:srgbClr val="78808D"/>
-              </a:solidFill>
-            </a:endParaRPr>
-          </a:p>
-          <a:p>
-            <a:pPr>
-              <a:lnSpc>
-                <a:spcPct val="150000"/>
-              </a:lnSpc>
-            </a:pPr>
-            <a:r>
-              <a:rPr lang="ko-KR" altLang="en-US" sz="2000" b="1" dirty="0">
-                <a:solidFill>
-                  <a:srgbClr val="00B0F0"/>
-                </a:solidFill>
-              </a:rPr>
-              <a:t>비동기</a:t>
-            </a:r>
-            <a:r>
-              <a:rPr lang="en-US" altLang="ko-KR" sz="1600" b="1" dirty="0">
-                <a:solidFill>
-                  <a:srgbClr val="00B0F0"/>
-                </a:solidFill>
-              </a:rPr>
-              <a:t>(Asynchronous)</a:t>
-            </a:r>
-          </a:p>
-          <a:p>
-            <a:pPr>
-              <a:lnSpc>
-                <a:spcPct val="150000"/>
-              </a:lnSpc>
-            </a:pPr>
-            <a:r>
-              <a:rPr lang="ko-KR" altLang="en-US" sz="1300" dirty="0">
-                <a:solidFill>
-                  <a:srgbClr val="78808D"/>
-                </a:solidFill>
-              </a:rPr>
-              <a:t>병렬적으로 태스크</a:t>
-            </a:r>
-            <a:r>
-              <a:rPr lang="en-US" altLang="ko-KR" sz="1300" dirty="0">
-                <a:solidFill>
-                  <a:srgbClr val="78808D"/>
-                </a:solidFill>
-              </a:rPr>
-              <a:t>(task)</a:t>
-            </a:r>
-            <a:r>
-              <a:rPr lang="ko-KR" altLang="en-US" sz="1300" dirty="0">
-                <a:solidFill>
-                  <a:srgbClr val="78808D"/>
-                </a:solidFill>
-              </a:rPr>
-              <a:t>를 수행한다</a:t>
-            </a:r>
-            <a:r>
-              <a:rPr lang="en-US" altLang="ko-KR" sz="1300" dirty="0">
-                <a:solidFill>
-                  <a:srgbClr val="78808D"/>
-                </a:solidFill>
-              </a:rPr>
-              <a:t>.  </a:t>
-            </a:r>
-            <a:r>
-              <a:rPr lang="ko-KR" altLang="en-US" sz="1300" dirty="0">
-                <a:solidFill>
-                  <a:srgbClr val="78808D"/>
-                </a:solidFill>
-              </a:rPr>
-              <a:t>작업이 종료되지 않은 상태라 하더라도 </a:t>
-            </a:r>
-            <a:r>
-              <a:rPr lang="ko-KR" altLang="en-US" sz="1300" b="1" dirty="0">
-                <a:solidFill>
-                  <a:srgbClr val="78808D"/>
-                </a:solidFill>
-              </a:rPr>
-              <a:t>대기하지 않고 다음 작업을 실행</a:t>
-            </a:r>
-            <a:r>
-              <a:rPr lang="ko-KR" altLang="en-US" sz="1300" dirty="0">
-                <a:solidFill>
-                  <a:srgbClr val="78808D"/>
-                </a:solidFill>
-              </a:rPr>
-              <a:t>한다</a:t>
-            </a:r>
-            <a:endParaRPr lang="en-US" altLang="ko-KR" sz="1300" dirty="0">
-              <a:solidFill>
-                <a:srgbClr val="78808D"/>
-              </a:solidFill>
-            </a:endParaRPr>
-          </a:p>
-        </p:txBody>
-      </p:sp>
-      <p:pic>
-        <p:nvPicPr>
-          <p:cNvPr id="22" name="그림 21">
-            <a:extLst>
-              <a:ext uri="{FF2B5EF4-FFF2-40B4-BE49-F238E27FC236}">
-                <a16:creationId xmlns:a16="http://schemas.microsoft.com/office/drawing/2014/main" id="{9A02C190-2E4F-45AD-9D43-A1F74F4AB7C4}"/>
-              </a:ext>
-            </a:extLst>
-          </p:cNvPr>
-          <p:cNvPicPr>
-            <a:picLocks noChangeAspect="1"/>
-          </p:cNvPicPr>
-          <p:nvPr/>
-        </p:nvPicPr>
-        <p:blipFill rotWithShape="1">
-          <a:blip r:embed="rId2" cstate="print">
-            <a:extLst>
-              <a:ext uri="{28A0092B-C50C-407E-A947-70E740481C1C}">
-                <a14:useLocalDpi xmlns:a14="http://schemas.microsoft.com/office/drawing/2010/main" val="0"/>
-              </a:ext>
-            </a:extLst>
-          </a:blip>
-          <a:srcRect l="5962" b="5962"/>
-          <a:stretch/>
-        </p:blipFill>
-        <p:spPr>
-          <a:xfrm>
-            <a:off x="7075503" y="2463468"/>
-            <a:ext cx="4601626" cy="2866754"/>
-          </a:xfrm>
-          <a:prstGeom prst="rect">
-            <a:avLst/>
-          </a:prstGeom>
-        </p:spPr>
-      </p:pic>
-      <p:cxnSp>
-        <p:nvCxnSpPr>
-          <p:cNvPr id="18" name="직선 연결선 17">
-            <a:extLst>
-              <a:ext uri="{FF2B5EF4-FFF2-40B4-BE49-F238E27FC236}">
-                <a16:creationId xmlns:a16="http://schemas.microsoft.com/office/drawing/2014/main" id="{F60DD112-D6F8-40D2-B846-13A856F4C2CA}"/>
-              </a:ext>
-            </a:extLst>
-          </p:cNvPr>
-          <p:cNvCxnSpPr>
-            <a:cxnSpLocks/>
-          </p:cNvCxnSpPr>
-          <p:nvPr/>
-        </p:nvCxnSpPr>
-        <p:spPr>
-          <a:xfrm>
-            <a:off x="410766" y="3941685"/>
-            <a:ext cx="6057146" cy="0"/>
-          </a:xfrm>
-          <a:prstGeom prst="line">
-            <a:avLst/>
-          </a:prstGeom>
-          <a:ln w="25400">
-            <a:solidFill>
-              <a:srgbClr val="78808D"/>
-            </a:solidFill>
-          </a:ln>
-        </p:spPr>
-        <p:style>
-          <a:lnRef idx="1">
-            <a:schemeClr val="accent1"/>
-          </a:lnRef>
-          <a:fillRef idx="0">
-            <a:schemeClr val="accent1"/>
-          </a:fillRef>
-          <a:effectRef idx="0">
-            <a:schemeClr val="accent1"/>
-          </a:effectRef>
-          <a:fontRef idx="minor">
-            <a:schemeClr val="tx1"/>
-          </a:fontRef>
-        </p:style>
-      </p:cxnSp>
-    </p:spTree>
-    <p:extLst>
-      <p:ext uri="{BB962C8B-B14F-4D97-AF65-F5344CB8AC3E}">
-        <p14:creationId xmlns:p14="http://schemas.microsoft.com/office/powerpoint/2010/main" val="181271212"/>
       </p:ext>
     </p:extLst>
   </p:cSld>
